--- a/FIFA World Cup Presentation.pptx
+++ b/FIFA World Cup Presentation.pptx
@@ -112,6 +112,11 @@
       </a:defRPr>
     </a:lvl9pPr>
   </p:defaultTextStyle>
+  <p:extLst>
+    <p:ext uri="{EFAFB233-063F-42B5-8137-9DF3F51BA10A}">
+      <p15:sldGuideLst xmlns:p15="http://schemas.microsoft.com/office/powerpoint/2012/main"/>
+    </p:ext>
+  </p:extLst>
 </p:presentation>
 </file>
 
@@ -264,7 +269,7 @@
           <a:p>
             <a:fld id="{AE4F3026-884B-443A-AB0D-A69068F63130}" type="datetimeFigureOut">
               <a:rPr lang="en-AU" smtClean="0"/>
-              <a:t>29/04/2021</a:t>
+              <a:t>30/04/2021</a:t>
             </a:fld>
             <a:endParaRPr lang="en-AU"/>
           </a:p>
@@ -464,7 +469,7 @@
           <a:p>
             <a:fld id="{AE4F3026-884B-443A-AB0D-A69068F63130}" type="datetimeFigureOut">
               <a:rPr lang="en-AU" smtClean="0"/>
-              <a:t>29/04/2021</a:t>
+              <a:t>30/04/2021</a:t>
             </a:fld>
             <a:endParaRPr lang="en-AU"/>
           </a:p>
@@ -674,7 +679,7 @@
           <a:p>
             <a:fld id="{AE4F3026-884B-443A-AB0D-A69068F63130}" type="datetimeFigureOut">
               <a:rPr lang="en-AU" smtClean="0"/>
-              <a:t>29/04/2021</a:t>
+              <a:t>30/04/2021</a:t>
             </a:fld>
             <a:endParaRPr lang="en-AU"/>
           </a:p>
@@ -874,7 +879,7 @@
           <a:p>
             <a:fld id="{AE4F3026-884B-443A-AB0D-A69068F63130}" type="datetimeFigureOut">
               <a:rPr lang="en-AU" smtClean="0"/>
-              <a:t>29/04/2021</a:t>
+              <a:t>30/04/2021</a:t>
             </a:fld>
             <a:endParaRPr lang="en-AU"/>
           </a:p>
@@ -1150,7 +1155,7 @@
           <a:p>
             <a:fld id="{AE4F3026-884B-443A-AB0D-A69068F63130}" type="datetimeFigureOut">
               <a:rPr lang="en-AU" smtClean="0"/>
-              <a:t>29/04/2021</a:t>
+              <a:t>30/04/2021</a:t>
             </a:fld>
             <a:endParaRPr lang="en-AU"/>
           </a:p>
@@ -1418,7 +1423,7 @@
           <a:p>
             <a:fld id="{AE4F3026-884B-443A-AB0D-A69068F63130}" type="datetimeFigureOut">
               <a:rPr lang="en-AU" smtClean="0"/>
-              <a:t>29/04/2021</a:t>
+              <a:t>30/04/2021</a:t>
             </a:fld>
             <a:endParaRPr lang="en-AU"/>
           </a:p>
@@ -1833,7 +1838,7 @@
           <a:p>
             <a:fld id="{AE4F3026-884B-443A-AB0D-A69068F63130}" type="datetimeFigureOut">
               <a:rPr lang="en-AU" smtClean="0"/>
-              <a:t>29/04/2021</a:t>
+              <a:t>30/04/2021</a:t>
             </a:fld>
             <a:endParaRPr lang="en-AU"/>
           </a:p>
@@ -1975,7 +1980,7 @@
           <a:p>
             <a:fld id="{AE4F3026-884B-443A-AB0D-A69068F63130}" type="datetimeFigureOut">
               <a:rPr lang="en-AU" smtClean="0"/>
-              <a:t>29/04/2021</a:t>
+              <a:t>30/04/2021</a:t>
             </a:fld>
             <a:endParaRPr lang="en-AU"/>
           </a:p>
@@ -2088,7 +2093,7 @@
           <a:p>
             <a:fld id="{AE4F3026-884B-443A-AB0D-A69068F63130}" type="datetimeFigureOut">
               <a:rPr lang="en-AU" smtClean="0"/>
-              <a:t>29/04/2021</a:t>
+              <a:t>30/04/2021</a:t>
             </a:fld>
             <a:endParaRPr lang="en-AU"/>
           </a:p>
@@ -2401,7 +2406,7 @@
           <a:p>
             <a:fld id="{AE4F3026-884B-443A-AB0D-A69068F63130}" type="datetimeFigureOut">
               <a:rPr lang="en-AU" smtClean="0"/>
-              <a:t>29/04/2021</a:t>
+              <a:t>30/04/2021</a:t>
             </a:fld>
             <a:endParaRPr lang="en-AU"/>
           </a:p>
@@ -2690,7 +2695,7 @@
           <a:p>
             <a:fld id="{AE4F3026-884B-443A-AB0D-A69068F63130}" type="datetimeFigureOut">
               <a:rPr lang="en-AU" smtClean="0"/>
-              <a:t>29/04/2021</a:t>
+              <a:t>30/04/2021</a:t>
             </a:fld>
             <a:endParaRPr lang="en-AU"/>
           </a:p>
@@ -2933,7 +2938,7 @@
           <a:p>
             <a:fld id="{AE4F3026-884B-443A-AB0D-A69068F63130}" type="datetimeFigureOut">
               <a:rPr lang="en-AU" smtClean="0"/>
-              <a:t>29/04/2021</a:t>
+              <a:t>30/04/2021</a:t>
             </a:fld>
             <a:endParaRPr lang="en-AU"/>
           </a:p>
@@ -3336,6 +3341,14 @@
 <file path=ppt/slides/slide1.xml><?xml version="1.0" encoding="utf-8"?>
 <p:sld xmlns:a="http://schemas.openxmlformats.org/drawingml/2006/main" xmlns:r="http://schemas.openxmlformats.org/officeDocument/2006/relationships" xmlns:p="http://schemas.openxmlformats.org/presentationml/2006/main">
   <p:cSld>
+    <p:bg>
+      <p:bgPr>
+        <a:solidFill>
+          <a:schemeClr val="bg1"/>
+        </a:solidFill>
+        <a:effectLst/>
+      </p:bgPr>
+    </p:bg>
     <p:spTree>
       <p:nvGrpSpPr>
         <p:cNvPr id="1" name=""/>
@@ -3350,6 +3363,192 @@
           <a:chExt cx="0" cy="0"/>
         </a:xfrm>
       </p:grpSpPr>
+      <p:sp useBgFill="1">
+        <p:nvSpPr>
+          <p:cNvPr id="22" name="Rectangle 18">
+            <a:extLst>
+              <a:ext uri="{FF2B5EF4-FFF2-40B4-BE49-F238E27FC236}">
+                <a16:creationId xmlns:a16="http://schemas.microsoft.com/office/drawing/2014/main" id="{C1DD1A8A-57D5-4A81-AD04-532B043C5611}"/>
+              </a:ext>
+              <a:ext uri="{C183D7F6-B498-43B3-948B-1728B52AA6E4}">
+                <adec:decorative xmlns:adec="http://schemas.microsoft.com/office/drawing/2017/decorative" val="1"/>
+              </a:ext>
+            </a:extLst>
+          </p:cNvPr>
+          <p:cNvSpPr>
+            <a:spLocks noGrp="1" noRot="1" noChangeAspect="1" noMove="1" noResize="1" noEditPoints="1" noAdjustHandles="1" noChangeArrowheads="1" noChangeShapeType="1" noTextEdit="1"/>
+          </p:cNvSpPr>
+          <p:nvPr>
+            <p:extLst>
+              <p:ext uri="{386F3935-93C4-4BCD-93E2-E3B085C9AB24}">
+                <p16:designElem xmlns:p16="http://schemas.microsoft.com/office/powerpoint/2015/main" val="1"/>
+              </p:ext>
+            </p:extLst>
+          </p:nvPr>
+        </p:nvSpPr>
+        <p:spPr>
+          <a:xfrm>
+            <a:off x="-1" y="0"/>
+            <a:ext cx="12188952" cy="6858000"/>
+          </a:xfrm>
+          <a:prstGeom prst="rect">
+            <a:avLst/>
+          </a:prstGeom>
+          <a:ln>
+            <a:noFill/>
+          </a:ln>
+        </p:spPr>
+        <p:style>
+          <a:lnRef idx="2">
+            <a:schemeClr val="accent1">
+              <a:shade val="50000"/>
+            </a:schemeClr>
+          </a:lnRef>
+          <a:fillRef idx="1">
+            <a:schemeClr val="accent1"/>
+          </a:fillRef>
+          <a:effectRef idx="0">
+            <a:schemeClr val="accent1"/>
+          </a:effectRef>
+          <a:fontRef idx="minor">
+            <a:schemeClr val="lt1"/>
+          </a:fontRef>
+        </p:style>
+        <p:txBody>
+          <a:bodyPr rtlCol="0" anchor="ctr"/>
+          <a:lstStyle/>
+          <a:p>
+            <a:pPr algn="ctr"/>
+            <a:endParaRPr lang="en-US"/>
+          </a:p>
+        </p:txBody>
+      </p:sp>
+      <p:pic>
+        <p:nvPicPr>
+          <p:cNvPr id="5" name="Picture 4" descr="A football ball on the field&#10;&#10;Description automatically generated with low confidence">
+            <a:extLst>
+              <a:ext uri="{FF2B5EF4-FFF2-40B4-BE49-F238E27FC236}">
+                <a16:creationId xmlns:a16="http://schemas.microsoft.com/office/drawing/2014/main" id="{B8454E93-B246-4596-94DA-7AE79C8411BF}"/>
+              </a:ext>
+            </a:extLst>
+          </p:cNvPr>
+          <p:cNvPicPr>
+            <a:picLocks noChangeAspect="1"/>
+          </p:cNvPicPr>
+          <p:nvPr/>
+        </p:nvPicPr>
+        <p:blipFill rotWithShape="1">
+          <a:blip r:embed="rId2">
+            <a:extLst>
+              <a:ext uri="{28A0092B-C50C-407E-A947-70E740481C1C}">
+                <a14:useLocalDpi xmlns:a14="http://schemas.microsoft.com/office/drawing/2010/main" val="0"/>
+              </a:ext>
+            </a:extLst>
+          </a:blip>
+          <a:srcRect t="15414"/>
+          <a:stretch/>
+        </p:blipFill>
+        <p:spPr>
+          <a:xfrm>
+            <a:off x="-3047" y="10"/>
+            <a:ext cx="12191999" cy="6857990"/>
+          </a:xfrm>
+          <a:prstGeom prst="rect">
+            <a:avLst/>
+          </a:prstGeom>
+        </p:spPr>
+      </p:pic>
+      <p:sp>
+        <p:nvSpPr>
+          <p:cNvPr id="21" name="Rectangle 20">
+            <a:extLst>
+              <a:ext uri="{FF2B5EF4-FFF2-40B4-BE49-F238E27FC236}">
+                <a16:creationId xmlns:a16="http://schemas.microsoft.com/office/drawing/2014/main" id="{007891EC-4501-44ED-A8C8-B11B6DB767AB}"/>
+              </a:ext>
+              <a:ext uri="{C183D7F6-B498-43B3-948B-1728B52AA6E4}">
+                <adec:decorative xmlns:adec="http://schemas.microsoft.com/office/drawing/2017/decorative" val="1"/>
+              </a:ext>
+            </a:extLst>
+          </p:cNvPr>
+          <p:cNvSpPr>
+            <a:spLocks noGrp="1" noRot="1" noChangeAspect="1" noMove="1" noResize="1" noEditPoints="1" noAdjustHandles="1" noChangeArrowheads="1" noChangeShapeType="1" noTextEdit="1"/>
+          </p:cNvSpPr>
+          <p:nvPr>
+            <p:extLst>
+              <p:ext uri="{386F3935-93C4-4BCD-93E2-E3B085C9AB24}">
+                <p16:designElem xmlns:p16="http://schemas.microsoft.com/office/powerpoint/2015/main" val="1"/>
+              </p:ext>
+            </p:extLst>
+          </p:nvPr>
+        </p:nvSpPr>
+        <p:spPr>
+          <a:xfrm>
+            <a:off x="0" y="2207602"/>
+            <a:ext cx="12191999" cy="3162146"/>
+          </a:xfrm>
+          <a:prstGeom prst="rect">
+            <a:avLst/>
+          </a:prstGeom>
+          <a:gradFill flip="none" rotWithShape="1">
+            <a:gsLst>
+              <a:gs pos="0">
+                <a:srgbClr val="000000">
+                  <a:alpha val="0"/>
+                </a:srgbClr>
+              </a:gs>
+              <a:gs pos="25000">
+                <a:srgbClr val="000000">
+                  <a:alpha val="15000"/>
+                </a:srgbClr>
+              </a:gs>
+              <a:gs pos="75000">
+                <a:srgbClr val="000000">
+                  <a:alpha val="15000"/>
+                </a:srgbClr>
+              </a:gs>
+              <a:gs pos="50000">
+                <a:srgbClr val="000000">
+                  <a:alpha val="30000"/>
+                </a:srgbClr>
+              </a:gs>
+              <a:gs pos="100000">
+                <a:srgbClr val="000000">
+                  <a:alpha val="0"/>
+                </a:srgbClr>
+              </a:gs>
+            </a:gsLst>
+            <a:lin ang="16200000" scaled="1"/>
+            <a:tileRect/>
+          </a:gradFill>
+          <a:ln>
+            <a:noFill/>
+          </a:ln>
+        </p:spPr>
+        <p:style>
+          <a:lnRef idx="2">
+            <a:schemeClr val="accent1">
+              <a:shade val="50000"/>
+            </a:schemeClr>
+          </a:lnRef>
+          <a:fillRef idx="1">
+            <a:schemeClr val="accent1"/>
+          </a:fillRef>
+          <a:effectRef idx="0">
+            <a:schemeClr val="accent1"/>
+          </a:effectRef>
+          <a:fontRef idx="minor">
+            <a:schemeClr val="lt1"/>
+          </a:fontRef>
+        </p:style>
+        <p:txBody>
+          <a:bodyPr rtlCol="0" anchor="ctr"/>
+          <a:lstStyle/>
+          <a:p>
+            <a:pPr algn="ctr"/>
+            <a:endParaRPr lang="en-US"/>
+          </a:p>
+        </p:txBody>
+      </p:sp>
       <p:sp>
         <p:nvSpPr>
           <p:cNvPr id="2" name="Title 1">
@@ -3366,13 +3565,31 @@
             <p:ph type="ctrTitle"/>
           </p:nvPr>
         </p:nvSpPr>
-        <p:spPr/>
-        <p:txBody>
-          <a:bodyPr/>
-          <a:lstStyle/>
-          <a:p>
-            <a:r>
-              <a:rPr lang="en-AU" dirty="0"/>
+        <p:spPr>
+          <a:xfrm>
+            <a:off x="1097280" y="325550"/>
+            <a:ext cx="10058400" cy="3574778"/>
+          </a:xfrm>
+          <a:effectLst>
+            <a:outerShdw blurRad="50800" dist="38100" dir="2700000" algn="tl" rotWithShape="0">
+              <a:prstClr val="black">
+                <a:alpha val="40000"/>
+              </a:prstClr>
+            </a:outerShdw>
+          </a:effectLst>
+        </p:spPr>
+        <p:txBody>
+          <a:bodyPr>
+            <a:normAutofit/>
+          </a:bodyPr>
+          <a:lstStyle/>
+          <a:p>
+            <a:r>
+              <a:rPr lang="en-AU" sz="5200">
+                <a:solidFill>
+                  <a:srgbClr val="FFFFFF"/>
+                </a:solidFill>
+              </a:rPr>
               <a:t>FIFA World Cup Dashboard</a:t>
             </a:r>
           </a:p>
@@ -3394,13 +3611,31 @@
             <p:ph type="subTitle" idx="1"/>
           </p:nvPr>
         </p:nvSpPr>
-        <p:spPr/>
-        <p:txBody>
-          <a:bodyPr/>
-          <a:lstStyle/>
-          <a:p>
-            <a:r>
-              <a:rPr lang="en-AU" dirty="0"/>
+        <p:spPr>
+          <a:xfrm>
+            <a:off x="1100051" y="4072043"/>
+            <a:ext cx="10058400" cy="1282707"/>
+          </a:xfrm>
+          <a:effectLst>
+            <a:outerShdw blurRad="50800" dist="38100" dir="2700000" algn="tl" rotWithShape="0">
+              <a:prstClr val="black">
+                <a:alpha val="40000"/>
+              </a:prstClr>
+            </a:outerShdw>
+          </a:effectLst>
+        </p:spPr>
+        <p:txBody>
+          <a:bodyPr>
+            <a:normAutofit/>
+          </a:bodyPr>
+          <a:lstStyle/>
+          <a:p>
+            <a:r>
+              <a:rPr lang="en-AU">
+                <a:solidFill>
+                  <a:srgbClr val="FFFFFF"/>
+                </a:solidFill>
+              </a:rPr>
               <a:t>By John Ng, Jayne Horton and Andrea Sciubba</a:t>
             </a:r>
           </a:p>
@@ -3416,12 +3651,197 @@
   <p:clrMapOvr>
     <a:masterClrMapping/>
   </p:clrMapOvr>
+  <p:timing>
+    <p:tnLst>
+      <p:par>
+        <p:cTn id="1" dur="indefinite" restart="never" nodeType="tmRoot">
+          <p:childTnLst>
+            <p:seq concurrent="1" nextAc="seek">
+              <p:cTn id="2" dur="indefinite" nodeType="mainSeq">
+                <p:childTnLst>
+                  <p:par>
+                    <p:cTn id="3" fill="hold">
+                      <p:stCondLst>
+                        <p:cond delay="indefinite"/>
+                        <p:cond evt="onBegin" delay="0">
+                          <p:tn val="2"/>
+                        </p:cond>
+                      </p:stCondLst>
+                      <p:childTnLst>
+                        <p:par>
+                          <p:cTn id="4" fill="hold">
+                            <p:stCondLst>
+                              <p:cond delay="0"/>
+                            </p:stCondLst>
+                            <p:childTnLst>
+                              <p:par>
+                                <p:cTn id="5" presetID="10" presetClass="entr" presetSubtype="0" fill="hold" grpId="0" nodeType="withEffect">
+                                  <p:stCondLst>
+                                    <p:cond delay="2000"/>
+                                  </p:stCondLst>
+                                  <p:iterate type="lt">
+                                    <p:tmPct val="10000"/>
+                                  </p:iterate>
+                                  <p:childTnLst>
+                                    <p:set>
+                                      <p:cBhvr>
+                                        <p:cTn id="6" dur="1" fill="hold">
+                                          <p:stCondLst>
+                                            <p:cond delay="0"/>
+                                          </p:stCondLst>
+                                        </p:cTn>
+                                        <p:tgtEl>
+                                          <p:spTgt spid="3">
+                                            <p:txEl>
+                                              <p:pRg st="0" end="0"/>
+                                            </p:txEl>
+                                          </p:spTgt>
+                                        </p:tgtEl>
+                                        <p:attrNameLst>
+                                          <p:attrName>style.visibility</p:attrName>
+                                        </p:attrNameLst>
+                                      </p:cBhvr>
+                                      <p:to>
+                                        <p:strVal val="visible"/>
+                                      </p:to>
+                                    </p:set>
+                                    <p:animEffect transition="in" filter="fade">
+                                      <p:cBhvr>
+                                        <p:cTn id="7" dur="400"/>
+                                        <p:tgtEl>
+                                          <p:spTgt spid="3">
+                                            <p:txEl>
+                                              <p:pRg st="0" end="0"/>
+                                            </p:txEl>
+                                          </p:spTgt>
+                                        </p:tgtEl>
+                                      </p:cBhvr>
+                                    </p:animEffect>
+                                  </p:childTnLst>
+                                </p:cTn>
+                              </p:par>
+                              <p:par>
+                                <p:cTn id="8" presetID="10" presetClass="entr" presetSubtype="0" fill="hold" grpId="0" nodeType="withEffect">
+                                  <p:stCondLst>
+                                    <p:cond delay="1000"/>
+                                  </p:stCondLst>
+                                  <p:iterate type="lt">
+                                    <p:tmPct val="10000"/>
+                                  </p:iterate>
+                                  <p:childTnLst>
+                                    <p:set>
+                                      <p:cBhvr>
+                                        <p:cTn id="9" dur="1" fill="hold">
+                                          <p:stCondLst>
+                                            <p:cond delay="0"/>
+                                          </p:stCondLst>
+                                        </p:cTn>
+                                        <p:tgtEl>
+                                          <p:spTgt spid="2"/>
+                                        </p:tgtEl>
+                                        <p:attrNameLst>
+                                          <p:attrName>style.visibility</p:attrName>
+                                        </p:attrNameLst>
+                                      </p:cBhvr>
+                                      <p:to>
+                                        <p:strVal val="visible"/>
+                                      </p:to>
+                                    </p:set>
+                                    <p:animEffect transition="in" filter="fade">
+                                      <p:cBhvr>
+                                        <p:cTn id="10" dur="400"/>
+                                        <p:tgtEl>
+                                          <p:spTgt spid="2"/>
+                                        </p:tgtEl>
+                                      </p:cBhvr>
+                                    </p:animEffect>
+                                  </p:childTnLst>
+                                </p:cTn>
+                              </p:par>
+                              <p:par>
+                                <p:cTn id="11" presetID="10" presetClass="entr" presetSubtype="0" fill="hold" nodeType="withEffect">
+                                  <p:stCondLst>
+                                    <p:cond delay="0"/>
+                                  </p:stCondLst>
+                                  <p:iterate>
+                                    <p:tmPct val="10000"/>
+                                  </p:iterate>
+                                  <p:childTnLst>
+                                    <p:set>
+                                      <p:cBhvr>
+                                        <p:cTn id="12" dur="1" fill="hold">
+                                          <p:stCondLst>
+                                            <p:cond delay="0"/>
+                                          </p:stCondLst>
+                                        </p:cTn>
+                                        <p:tgtEl>
+                                          <p:spTgt spid="5"/>
+                                        </p:tgtEl>
+                                        <p:attrNameLst>
+                                          <p:attrName>style.visibility</p:attrName>
+                                        </p:attrNameLst>
+                                      </p:cBhvr>
+                                      <p:to>
+                                        <p:strVal val="visible"/>
+                                      </p:to>
+                                    </p:set>
+                                    <p:animEffect transition="in" filter="fade">
+                                      <p:cBhvr>
+                                        <p:cTn id="13" dur="700"/>
+                                        <p:tgtEl>
+                                          <p:spTgt spid="5"/>
+                                        </p:tgtEl>
+                                      </p:cBhvr>
+                                    </p:animEffect>
+                                  </p:childTnLst>
+                                </p:cTn>
+                              </p:par>
+                            </p:childTnLst>
+                          </p:cTn>
+                        </p:par>
+                      </p:childTnLst>
+                    </p:cTn>
+                  </p:par>
+                </p:childTnLst>
+              </p:cTn>
+              <p:prevCondLst>
+                <p:cond evt="onPrev" delay="0">
+                  <p:tgtEl>
+                    <p:sldTgt/>
+                  </p:tgtEl>
+                </p:cond>
+              </p:prevCondLst>
+              <p:nextCondLst>
+                <p:cond evt="onNext" delay="0">
+                  <p:tgtEl>
+                    <p:sldTgt/>
+                  </p:tgtEl>
+                </p:cond>
+              </p:nextCondLst>
+            </p:seq>
+          </p:childTnLst>
+        </p:cTn>
+      </p:par>
+    </p:tnLst>
+    <p:bldLst>
+      <p:bldP spid="2" grpId="0"/>
+      <p:bldP spid="3" grpId="0" build="p"/>
+    </p:bldLst>
+  </p:timing>
 </p:sld>
 </file>
 
 <file path=ppt/slides/slide2.xml><?xml version="1.0" encoding="utf-8"?>
 <p:sld xmlns:a="http://schemas.openxmlformats.org/drawingml/2006/main" xmlns:r="http://schemas.openxmlformats.org/officeDocument/2006/relationships" xmlns:p="http://schemas.openxmlformats.org/presentationml/2006/main">
   <p:cSld>
+    <p:bg>
+      <p:bgPr>
+        <a:solidFill>
+          <a:schemeClr val="bg1"/>
+        </a:solidFill>
+        <a:effectLst/>
+      </p:bgPr>
+    </p:bg>
     <p:spTree>
       <p:nvGrpSpPr>
         <p:cNvPr id="1" name=""/>
@@ -3436,6 +3856,375 @@
           <a:chExt cx="0" cy="0"/>
         </a:xfrm>
       </p:grpSpPr>
+      <p:pic>
+        <p:nvPicPr>
+          <p:cNvPr id="7" name="Picture 6" descr="A picture containing text&#10;&#10;Description automatically generated">
+            <a:extLst>
+              <a:ext uri="{FF2B5EF4-FFF2-40B4-BE49-F238E27FC236}">
+                <a16:creationId xmlns:a16="http://schemas.microsoft.com/office/drawing/2014/main" id="{A4AE639C-F9E1-4081-BA2E-5469C63DC70D}"/>
+              </a:ext>
+            </a:extLst>
+          </p:cNvPr>
+          <p:cNvPicPr>
+            <a:picLocks noChangeAspect="1"/>
+          </p:cNvPicPr>
+          <p:nvPr/>
+        </p:nvPicPr>
+        <p:blipFill rotWithShape="1">
+          <a:blip r:embed="rId2">
+            <a:extLst>
+              <a:ext uri="{28A0092B-C50C-407E-A947-70E740481C1C}">
+                <a14:useLocalDpi xmlns:a14="http://schemas.microsoft.com/office/drawing/2010/main" val="0"/>
+              </a:ext>
+            </a:extLst>
+          </a:blip>
+          <a:srcRect l="1875" r="7216" b="9493"/>
+          <a:stretch/>
+        </p:blipFill>
+        <p:spPr>
+          <a:xfrm>
+            <a:off x="20" y="10"/>
+            <a:ext cx="12191980" cy="6857990"/>
+          </a:xfrm>
+          <a:prstGeom prst="rect">
+            <a:avLst/>
+          </a:prstGeom>
+        </p:spPr>
+      </p:pic>
+      <p:sp>
+        <p:nvSpPr>
+          <p:cNvPr id="27" name="Freeform: Shape 26">
+            <a:extLst>
+              <a:ext uri="{FF2B5EF4-FFF2-40B4-BE49-F238E27FC236}">
+                <a16:creationId xmlns:a16="http://schemas.microsoft.com/office/drawing/2014/main" id="{E862BE82-D00D-42C1-BF16-93AA37870C32}"/>
+              </a:ext>
+              <a:ext uri="{C183D7F6-B498-43B3-948B-1728B52AA6E4}">
+                <adec:decorative xmlns:adec="http://schemas.microsoft.com/office/drawing/2017/decorative" val="1"/>
+              </a:ext>
+            </a:extLst>
+          </p:cNvPr>
+          <p:cNvSpPr>
+            <a:spLocks noGrp="1" noRot="1" noChangeAspect="1" noMove="1" noResize="1" noEditPoints="1" noAdjustHandles="1" noChangeArrowheads="1" noChangeShapeType="1" noTextEdit="1"/>
+          </p:cNvSpPr>
+          <p:nvPr>
+            <p:extLst>
+              <p:ext uri="{386F3935-93C4-4BCD-93E2-E3B085C9AB24}">
+                <p16:designElem xmlns:p16="http://schemas.microsoft.com/office/powerpoint/2015/main" val="1"/>
+              </p:ext>
+            </p:extLst>
+          </p:nvPr>
+        </p:nvSpPr>
+        <p:spPr>
+          <a:xfrm flipH="1">
+            <a:off x="6582780" y="-2008"/>
+            <a:ext cx="5609220" cy="5840278"/>
+          </a:xfrm>
+          <a:custGeom>
+            <a:avLst/>
+            <a:gdLst>
+              <a:gd name="connsiteX0" fmla="*/ 0 w 5609220"/>
+              <a:gd name="connsiteY0" fmla="*/ 0 h 5840278"/>
+              <a:gd name="connsiteX1" fmla="*/ 4637091 w 5609220"/>
+              <a:gd name="connsiteY1" fmla="*/ 0 h 5840278"/>
+              <a:gd name="connsiteX2" fmla="*/ 4822569 w 5609220"/>
+              <a:gd name="connsiteY2" fmla="*/ 204077 h 5840278"/>
+              <a:gd name="connsiteX3" fmla="*/ 5609220 w 5609220"/>
+              <a:gd name="connsiteY3" fmla="*/ 2395363 h 5840278"/>
+              <a:gd name="connsiteX4" fmla="*/ 2164305 w 5609220"/>
+              <a:gd name="connsiteY4" fmla="*/ 5840278 h 5840278"/>
+              <a:gd name="connsiteX5" fmla="*/ 238220 w 5609220"/>
+              <a:gd name="connsiteY5" fmla="*/ 5251941 h 5840278"/>
+              <a:gd name="connsiteX6" fmla="*/ 0 w 5609220"/>
+              <a:gd name="connsiteY6" fmla="*/ 5073803 h 5840278"/>
+            </a:gdLst>
+            <a:ahLst/>
+            <a:cxnLst>
+              <a:cxn ang="0">
+                <a:pos x="connsiteX0" y="connsiteY0"/>
+              </a:cxn>
+              <a:cxn ang="0">
+                <a:pos x="connsiteX1" y="connsiteY1"/>
+              </a:cxn>
+              <a:cxn ang="0">
+                <a:pos x="connsiteX2" y="connsiteY2"/>
+              </a:cxn>
+              <a:cxn ang="0">
+                <a:pos x="connsiteX3" y="connsiteY3"/>
+              </a:cxn>
+              <a:cxn ang="0">
+                <a:pos x="connsiteX4" y="connsiteY4"/>
+              </a:cxn>
+              <a:cxn ang="0">
+                <a:pos x="connsiteX5" y="connsiteY5"/>
+              </a:cxn>
+              <a:cxn ang="0">
+                <a:pos x="connsiteX6" y="connsiteY6"/>
+              </a:cxn>
+            </a:cxnLst>
+            <a:rect l="l" t="t" r="r" b="b"/>
+            <a:pathLst>
+              <a:path w="5609220" h="5840278">
+                <a:moveTo>
+                  <a:pt x="0" y="0"/>
+                </a:moveTo>
+                <a:lnTo>
+                  <a:pt x="4637091" y="0"/>
+                </a:lnTo>
+                <a:lnTo>
+                  <a:pt x="4822569" y="204077"/>
+                </a:lnTo>
+                <a:cubicBezTo>
+                  <a:pt x="5314007" y="799562"/>
+                  <a:pt x="5609220" y="1562987"/>
+                  <a:pt x="5609220" y="2395363"/>
+                </a:cubicBezTo>
+                <a:cubicBezTo>
+                  <a:pt x="5609220" y="4297937"/>
+                  <a:pt x="4066879" y="5840278"/>
+                  <a:pt x="2164305" y="5840278"/>
+                </a:cubicBezTo>
+                <a:cubicBezTo>
+                  <a:pt x="1450840" y="5840278"/>
+                  <a:pt x="788032" y="5623387"/>
+                  <a:pt x="238220" y="5251941"/>
+                </a:cubicBezTo>
+                <a:lnTo>
+                  <a:pt x="0" y="5073803"/>
+                </a:lnTo>
+                <a:close/>
+              </a:path>
+            </a:pathLst>
+          </a:custGeom>
+          <a:solidFill>
+            <a:schemeClr val="bg1">
+              <a:alpha val="50000"/>
+            </a:schemeClr>
+          </a:solidFill>
+          <a:ln>
+            <a:noFill/>
+          </a:ln>
+        </p:spPr>
+        <p:style>
+          <a:lnRef idx="2">
+            <a:schemeClr val="accent1">
+              <a:shade val="50000"/>
+            </a:schemeClr>
+          </a:lnRef>
+          <a:fillRef idx="1">
+            <a:schemeClr val="accent1"/>
+          </a:fillRef>
+          <a:effectRef idx="0">
+            <a:schemeClr val="accent1"/>
+          </a:effectRef>
+          <a:fontRef idx="minor">
+            <a:schemeClr val="lt1"/>
+          </a:fontRef>
+        </p:style>
+        <p:txBody>
+          <a:bodyPr rtlCol="0" anchor="ctr"/>
+          <a:lstStyle/>
+          <a:p>
+            <a:pPr marL="0" marR="0" lvl="0" indent="0" algn="ctr" defTabSz="914400" rtl="0" eaLnBrk="1" fontAlgn="auto" latinLnBrk="0" hangingPunct="1">
+              <a:lnSpc>
+                <a:spcPct val="100000"/>
+              </a:lnSpc>
+              <a:spcBef>
+                <a:spcPts val="0"/>
+              </a:spcBef>
+              <a:spcAft>
+                <a:spcPts val="0"/>
+              </a:spcAft>
+              <a:buClrTx/>
+              <a:buSzTx/>
+              <a:buFontTx/>
+              <a:buNone/>
+              <a:tabLst/>
+              <a:defRPr/>
+            </a:pPr>
+            <a:endParaRPr kumimoji="0" lang="en-US" sz="1800" b="0" i="0" u="none" strike="noStrike" kern="1200" cap="none" spc="0" normalizeH="0" baseline="0" noProof="0">
+              <a:ln>
+                <a:noFill/>
+              </a:ln>
+              <a:solidFill>
+                <a:prstClr val="white"/>
+              </a:solidFill>
+              <a:effectLst/>
+              <a:uLnTx/>
+              <a:uFillTx/>
+              <a:latin typeface="Calibri" panose="020F0502020204030204"/>
+              <a:ea typeface="+mn-ea"/>
+              <a:cs typeface="+mn-cs"/>
+            </a:endParaRPr>
+          </a:p>
+        </p:txBody>
+      </p:sp>
+      <p:sp>
+        <p:nvSpPr>
+          <p:cNvPr id="29" name="Freeform: Shape 28">
+            <a:extLst>
+              <a:ext uri="{FF2B5EF4-FFF2-40B4-BE49-F238E27FC236}">
+                <a16:creationId xmlns:a16="http://schemas.microsoft.com/office/drawing/2014/main" id="{F6D92C2D-1D3D-4974-918C-06579FB354A9}"/>
+              </a:ext>
+              <a:ext uri="{C183D7F6-B498-43B3-948B-1728B52AA6E4}">
+                <adec:decorative xmlns:adec="http://schemas.microsoft.com/office/drawing/2017/decorative" val="1"/>
+              </a:ext>
+            </a:extLst>
+          </p:cNvPr>
+          <p:cNvSpPr>
+            <a:spLocks noGrp="1" noRot="1" noChangeAspect="1" noMove="1" noResize="1" noEditPoints="1" noAdjustHandles="1" noChangeArrowheads="1" noChangeShapeType="1" noTextEdit="1"/>
+          </p:cNvSpPr>
+          <p:nvPr>
+            <p:extLst>
+              <p:ext uri="{386F3935-93C4-4BCD-93E2-E3B085C9AB24}">
+                <p16:designElem xmlns:p16="http://schemas.microsoft.com/office/powerpoint/2015/main" val="1"/>
+              </p:ext>
+            </p:extLst>
+          </p:nvPr>
+        </p:nvSpPr>
+        <p:spPr>
+          <a:xfrm flipH="1">
+            <a:off x="6750141" y="-2"/>
+            <a:ext cx="5441859" cy="5654940"/>
+          </a:xfrm>
+          <a:custGeom>
+            <a:avLst/>
+            <a:gdLst>
+              <a:gd name="connsiteX0" fmla="*/ 0 w 5441859"/>
+              <a:gd name="connsiteY0" fmla="*/ 0 h 5654940"/>
+              <a:gd name="connsiteX1" fmla="*/ 4400492 w 5441859"/>
+              <a:gd name="connsiteY1" fmla="*/ 0 h 5654940"/>
+              <a:gd name="connsiteX2" fmla="*/ 4484767 w 5441859"/>
+              <a:gd name="connsiteY2" fmla="*/ 76595 h 5654940"/>
+              <a:gd name="connsiteX3" fmla="*/ 5441859 w 5441859"/>
+              <a:gd name="connsiteY3" fmla="*/ 2387221 h 5654940"/>
+              <a:gd name="connsiteX4" fmla="*/ 2174140 w 5441859"/>
+              <a:gd name="connsiteY4" fmla="*/ 5654940 h 5654940"/>
+              <a:gd name="connsiteX5" fmla="*/ 156693 w 5441859"/>
+              <a:gd name="connsiteY5" fmla="*/ 4957981 h 5654940"/>
+              <a:gd name="connsiteX6" fmla="*/ 0 w 5441859"/>
+              <a:gd name="connsiteY6" fmla="*/ 4820612 h 5654940"/>
+            </a:gdLst>
+            <a:ahLst/>
+            <a:cxnLst>
+              <a:cxn ang="0">
+                <a:pos x="connsiteX0" y="connsiteY0"/>
+              </a:cxn>
+              <a:cxn ang="0">
+                <a:pos x="connsiteX1" y="connsiteY1"/>
+              </a:cxn>
+              <a:cxn ang="0">
+                <a:pos x="connsiteX2" y="connsiteY2"/>
+              </a:cxn>
+              <a:cxn ang="0">
+                <a:pos x="connsiteX3" y="connsiteY3"/>
+              </a:cxn>
+              <a:cxn ang="0">
+                <a:pos x="connsiteX4" y="connsiteY4"/>
+              </a:cxn>
+              <a:cxn ang="0">
+                <a:pos x="connsiteX5" y="connsiteY5"/>
+              </a:cxn>
+              <a:cxn ang="0">
+                <a:pos x="connsiteX6" y="connsiteY6"/>
+              </a:cxn>
+            </a:cxnLst>
+            <a:rect l="l" t="t" r="r" b="b"/>
+            <a:pathLst>
+              <a:path w="5441859" h="5654940">
+                <a:moveTo>
+                  <a:pt x="0" y="0"/>
+                </a:moveTo>
+                <a:lnTo>
+                  <a:pt x="4400492" y="0"/>
+                </a:lnTo>
+                <a:lnTo>
+                  <a:pt x="4484767" y="76595"/>
+                </a:lnTo>
+                <a:cubicBezTo>
+                  <a:pt x="5076108" y="667936"/>
+                  <a:pt x="5441859" y="1484866"/>
+                  <a:pt x="5441859" y="2387221"/>
+                </a:cubicBezTo>
+                <a:cubicBezTo>
+                  <a:pt x="5441859" y="4191932"/>
+                  <a:pt x="3978851" y="5654940"/>
+                  <a:pt x="2174140" y="5654940"/>
+                </a:cubicBezTo>
+                <a:cubicBezTo>
+                  <a:pt x="1412778" y="5654940"/>
+                  <a:pt x="712231" y="5394557"/>
+                  <a:pt x="156693" y="4957981"/>
+                </a:cubicBezTo>
+                <a:lnTo>
+                  <a:pt x="0" y="4820612"/>
+                </a:lnTo>
+                <a:close/>
+              </a:path>
+            </a:pathLst>
+          </a:custGeom>
+          <a:solidFill>
+            <a:schemeClr val="bg1">
+              <a:alpha val="75000"/>
+            </a:schemeClr>
+          </a:solidFill>
+          <a:ln>
+            <a:noFill/>
+          </a:ln>
+        </p:spPr>
+        <p:style>
+          <a:lnRef idx="2">
+            <a:schemeClr val="accent1">
+              <a:shade val="50000"/>
+            </a:schemeClr>
+          </a:lnRef>
+          <a:fillRef idx="1">
+            <a:schemeClr val="accent1"/>
+          </a:fillRef>
+          <a:effectRef idx="0">
+            <a:schemeClr val="accent1"/>
+          </a:effectRef>
+          <a:fontRef idx="minor">
+            <a:schemeClr val="lt1"/>
+          </a:fontRef>
+        </p:style>
+        <p:txBody>
+          <a:bodyPr rtlCol="0" anchor="ctr"/>
+          <a:lstStyle/>
+          <a:p>
+            <a:pPr marL="0" marR="0" lvl="0" indent="0" algn="ctr" defTabSz="914400" rtl="0" eaLnBrk="1" fontAlgn="auto" latinLnBrk="0" hangingPunct="1">
+              <a:lnSpc>
+                <a:spcPct val="100000"/>
+              </a:lnSpc>
+              <a:spcBef>
+                <a:spcPts val="0"/>
+              </a:spcBef>
+              <a:spcAft>
+                <a:spcPts val="0"/>
+              </a:spcAft>
+              <a:buClrTx/>
+              <a:buSzTx/>
+              <a:buFontTx/>
+              <a:buNone/>
+              <a:tabLst/>
+              <a:defRPr/>
+            </a:pPr>
+            <a:endParaRPr kumimoji="0" lang="en-US" sz="1800" b="0" i="0" u="none" strike="noStrike" kern="1200" cap="none" spc="0" normalizeH="0" baseline="0" noProof="0" dirty="0">
+              <a:ln>
+                <a:noFill/>
+              </a:ln>
+              <a:solidFill>
+                <a:prstClr val="white"/>
+              </a:solidFill>
+              <a:effectLst/>
+              <a:uLnTx/>
+              <a:uFillTx/>
+              <a:latin typeface="Calibri" panose="020F0502020204030204"/>
+              <a:ea typeface="+mn-ea"/>
+              <a:cs typeface="+mn-cs"/>
+            </a:endParaRPr>
+          </a:p>
+        </p:txBody>
+      </p:sp>
       <p:sp>
         <p:nvSpPr>
           <p:cNvPr id="2" name="Title 1">
@@ -3452,13 +4241,20 @@
             <p:ph type="title"/>
           </p:nvPr>
         </p:nvSpPr>
-        <p:spPr/>
-        <p:txBody>
-          <a:bodyPr/>
-          <a:lstStyle/>
-          <a:p>
-            <a:r>
-              <a:rPr lang="en-AU" dirty="0"/>
+        <p:spPr>
+          <a:xfrm>
+            <a:off x="7851031" y="632990"/>
+            <a:ext cx="4062643" cy="1043409"/>
+          </a:xfrm>
+        </p:spPr>
+        <p:txBody>
+          <a:bodyPr>
+            <a:normAutofit/>
+          </a:bodyPr>
+          <a:lstStyle/>
+          <a:p>
+            <a:r>
+              <a:rPr lang="en-AU" sz="3300"/>
               <a:t>Background on FIFA World Cup</a:t>
             </a:r>
           </a:p>
@@ -3480,37 +4276,44 @@
             <p:ph idx="1"/>
           </p:nvPr>
         </p:nvSpPr>
-        <p:spPr/>
-        <p:txBody>
-          <a:bodyPr/>
-          <a:lstStyle/>
-          <a:p>
-            <a:r>
-              <a:rPr lang="en-AU" dirty="0"/>
+        <p:spPr>
+          <a:xfrm>
+            <a:off x="7621031" y="1774372"/>
+            <a:ext cx="4062642" cy="2754086"/>
+          </a:xfrm>
+        </p:spPr>
+        <p:txBody>
+          <a:bodyPr anchor="t">
+            <a:normAutofit/>
+          </a:bodyPr>
+          <a:lstStyle/>
+          <a:p>
+            <a:r>
+              <a:rPr lang="en-AU" sz="1800"/>
               <a:t>Who is FIFA?</a:t>
             </a:r>
           </a:p>
           <a:p>
             <a:r>
-              <a:rPr lang="en-AU" dirty="0"/>
+              <a:rPr lang="en-AU" sz="1800"/>
               <a:t>211 National associations</a:t>
             </a:r>
           </a:p>
           <a:p>
             <a:r>
-              <a:rPr lang="en-AU" dirty="0"/>
+              <a:rPr lang="en-AU" sz="1800"/>
               <a:t>6 regional confederations</a:t>
             </a:r>
           </a:p>
           <a:p>
             <a:r>
-              <a:rPr lang="en-AU" dirty="0"/>
+              <a:rPr lang="en-AU" sz="1800"/>
               <a:t>Tournament held every 4 years</a:t>
             </a:r>
           </a:p>
           <a:p>
             <a:r>
-              <a:rPr lang="en-AU" dirty="0"/>
+              <a:rPr lang="en-AU" sz="1800"/>
               <a:t>Host country automatically qualifies and qualifying teams split into groups to play round robin matches</a:t>
             </a:r>
           </a:p>
@@ -3532,6 +4335,17 @@
 <file path=ppt/slides/slide3.xml><?xml version="1.0" encoding="utf-8"?>
 <p:sld xmlns:a="http://schemas.openxmlformats.org/drawingml/2006/main" xmlns:r="http://schemas.openxmlformats.org/officeDocument/2006/relationships" xmlns:p="http://schemas.openxmlformats.org/presentationml/2006/main">
   <p:cSld>
+    <p:bg>
+      <p:bgPr>
+        <a:solidFill>
+          <a:schemeClr val="bg1">
+            <a:tint val="95000"/>
+            <a:satMod val="170000"/>
+          </a:schemeClr>
+        </a:solidFill>
+        <a:effectLst/>
+      </p:bgPr>
+    </p:bg>
     <p:spTree>
       <p:nvGrpSpPr>
         <p:cNvPr id="1" name=""/>
@@ -3562,9 +4376,16 @@
             <p:ph type="title"/>
           </p:nvPr>
         </p:nvSpPr>
-        <p:spPr/>
-        <p:txBody>
-          <a:bodyPr/>
+        <p:spPr>
+          <a:xfrm>
+            <a:off x="762001" y="803325"/>
+            <a:ext cx="5314536" cy="1325563"/>
+          </a:xfrm>
+        </p:spPr>
+        <p:txBody>
+          <a:bodyPr>
+            <a:normAutofit/>
+          </a:bodyPr>
           <a:lstStyle/>
           <a:p>
             <a:r>
@@ -3590,19 +4411,23 @@
             <p:ph idx="1"/>
           </p:nvPr>
         </p:nvSpPr>
-        <p:spPr/>
-        <p:txBody>
-          <a:bodyPr/>
+        <p:spPr>
+          <a:xfrm>
+            <a:off x="762000" y="2279018"/>
+            <a:ext cx="5314543" cy="3559252"/>
+          </a:xfrm>
+        </p:spPr>
+        <p:txBody>
+          <a:bodyPr anchor="t">
+            <a:noAutofit/>
+          </a:bodyPr>
           <a:lstStyle/>
           <a:p>
             <a:pPr marL="0" indent="0">
               <a:buNone/>
             </a:pPr>
             <a:r>
-              <a:rPr lang="en-AU" sz="1800" dirty="0">
-                <a:solidFill>
-                  <a:srgbClr val="000000"/>
-                </a:solidFill>
+              <a:rPr lang="en-AU" sz="2400" dirty="0">
                 <a:effectLst/>
                 <a:latin typeface="Calibri" panose="020F0502020204030204" pitchFamily="34" charset="0"/>
                 <a:ea typeface="Calibri" panose="020F0502020204030204" pitchFamily="34" charset="0"/>
@@ -3610,7 +4435,7 @@
               </a:rPr>
               <a:t>FIFA has employed team JJA to create a dashboard for officials, teams and soccer fans around the world to investigate trends of successful teams to help with game strategies, future development of the sport and provide general knowledge. Successful teams for this exercise have been defined as those that have finished first, second, third and fourth in the tournament.</a:t>
             </a:r>
-            <a:endParaRPr lang="en-AU" sz="1800" dirty="0">
+            <a:endParaRPr lang="en-AU" sz="2400" dirty="0">
               <a:effectLst/>
               <a:latin typeface="Calibri" panose="020F0502020204030204" pitchFamily="34" charset="0"/>
               <a:ea typeface="Calibri" panose="020F0502020204030204" pitchFamily="34" charset="0"/>
@@ -3618,10 +4443,248 @@
             </a:endParaRPr>
           </a:p>
           <a:p>
-            <a:endParaRPr lang="en-AU" dirty="0"/>
-          </a:p>
-        </p:txBody>
-      </p:sp>
+            <a:endParaRPr lang="en-AU" sz="2400" dirty="0"/>
+          </a:p>
+        </p:txBody>
+      </p:sp>
+      <p:sp>
+        <p:nvSpPr>
+          <p:cNvPr id="12" name="Freeform: Shape 11">
+            <a:extLst>
+              <a:ext uri="{FF2B5EF4-FFF2-40B4-BE49-F238E27FC236}">
+                <a16:creationId xmlns:a16="http://schemas.microsoft.com/office/drawing/2014/main" id="{CF62D2A7-8207-488C-9F46-316BA81A16C8}"/>
+              </a:ext>
+              <a:ext uri="{C183D7F6-B498-43B3-948B-1728B52AA6E4}">
+                <adec:decorative xmlns:adec="http://schemas.microsoft.com/office/drawing/2017/decorative" val="1"/>
+              </a:ext>
+            </a:extLst>
+          </p:cNvPr>
+          <p:cNvSpPr>
+            <a:spLocks noGrp="1" noRot="1" noChangeAspect="1" noMove="1" noResize="1" noEditPoints="1" noAdjustHandles="1" noChangeArrowheads="1" noChangeShapeType="1" noTextEdit="1"/>
+          </p:cNvSpPr>
+          <p:nvPr>
+            <p:extLst>
+              <p:ext uri="{386F3935-93C4-4BCD-93E2-E3B085C9AB24}">
+                <p16:designElem xmlns:p16="http://schemas.microsoft.com/office/powerpoint/2015/main" val="1"/>
+              </p:ext>
+            </p:extLst>
+          </p:nvPr>
+        </p:nvSpPr>
+        <p:spPr>
+          <a:xfrm flipH="1">
+            <a:off x="6582780" y="-2008"/>
+            <a:ext cx="5609220" cy="5840278"/>
+          </a:xfrm>
+          <a:custGeom>
+            <a:avLst/>
+            <a:gdLst>
+              <a:gd name="connsiteX0" fmla="*/ 0 w 5609220"/>
+              <a:gd name="connsiteY0" fmla="*/ 0 h 5840278"/>
+              <a:gd name="connsiteX1" fmla="*/ 4637091 w 5609220"/>
+              <a:gd name="connsiteY1" fmla="*/ 0 h 5840278"/>
+              <a:gd name="connsiteX2" fmla="*/ 4822569 w 5609220"/>
+              <a:gd name="connsiteY2" fmla="*/ 204077 h 5840278"/>
+              <a:gd name="connsiteX3" fmla="*/ 5609220 w 5609220"/>
+              <a:gd name="connsiteY3" fmla="*/ 2395363 h 5840278"/>
+              <a:gd name="connsiteX4" fmla="*/ 2164305 w 5609220"/>
+              <a:gd name="connsiteY4" fmla="*/ 5840278 h 5840278"/>
+              <a:gd name="connsiteX5" fmla="*/ 238220 w 5609220"/>
+              <a:gd name="connsiteY5" fmla="*/ 5251941 h 5840278"/>
+              <a:gd name="connsiteX6" fmla="*/ 0 w 5609220"/>
+              <a:gd name="connsiteY6" fmla="*/ 5073803 h 5840278"/>
+            </a:gdLst>
+            <a:ahLst/>
+            <a:cxnLst>
+              <a:cxn ang="0">
+                <a:pos x="connsiteX0" y="connsiteY0"/>
+              </a:cxn>
+              <a:cxn ang="0">
+                <a:pos x="connsiteX1" y="connsiteY1"/>
+              </a:cxn>
+              <a:cxn ang="0">
+                <a:pos x="connsiteX2" y="connsiteY2"/>
+              </a:cxn>
+              <a:cxn ang="0">
+                <a:pos x="connsiteX3" y="connsiteY3"/>
+              </a:cxn>
+              <a:cxn ang="0">
+                <a:pos x="connsiteX4" y="connsiteY4"/>
+              </a:cxn>
+              <a:cxn ang="0">
+                <a:pos x="connsiteX5" y="connsiteY5"/>
+              </a:cxn>
+              <a:cxn ang="0">
+                <a:pos x="connsiteX6" y="connsiteY6"/>
+              </a:cxn>
+            </a:cxnLst>
+            <a:rect l="l" t="t" r="r" b="b"/>
+            <a:pathLst>
+              <a:path w="5609220" h="5840278">
+                <a:moveTo>
+                  <a:pt x="0" y="0"/>
+                </a:moveTo>
+                <a:lnTo>
+                  <a:pt x="4637091" y="0"/>
+                </a:lnTo>
+                <a:lnTo>
+                  <a:pt x="4822569" y="204077"/>
+                </a:lnTo>
+                <a:cubicBezTo>
+                  <a:pt x="5314007" y="799562"/>
+                  <a:pt x="5609220" y="1562987"/>
+                  <a:pt x="5609220" y="2395363"/>
+                </a:cubicBezTo>
+                <a:cubicBezTo>
+                  <a:pt x="5609220" y="4297937"/>
+                  <a:pt x="4066879" y="5840278"/>
+                  <a:pt x="2164305" y="5840278"/>
+                </a:cubicBezTo>
+                <a:cubicBezTo>
+                  <a:pt x="1450840" y="5840278"/>
+                  <a:pt x="788032" y="5623387"/>
+                  <a:pt x="238220" y="5251941"/>
+                </a:cubicBezTo>
+                <a:lnTo>
+                  <a:pt x="0" y="5073803"/>
+                </a:lnTo>
+                <a:close/>
+              </a:path>
+            </a:pathLst>
+          </a:custGeom>
+          <a:solidFill>
+            <a:srgbClr val="FFFFFF">
+              <a:alpha val="80000"/>
+            </a:srgbClr>
+          </a:solidFill>
+          <a:ln>
+            <a:noFill/>
+          </a:ln>
+        </p:spPr>
+        <p:style>
+          <a:lnRef idx="2">
+            <a:schemeClr val="accent1">
+              <a:shade val="50000"/>
+            </a:schemeClr>
+          </a:lnRef>
+          <a:fillRef idx="1">
+            <a:schemeClr val="accent1"/>
+          </a:fillRef>
+          <a:effectRef idx="0">
+            <a:schemeClr val="accent1"/>
+          </a:effectRef>
+          <a:fontRef idx="minor">
+            <a:schemeClr val="lt1"/>
+          </a:fontRef>
+        </p:style>
+        <p:txBody>
+          <a:bodyPr rtlCol="0" anchor="ctr"/>
+          <a:lstStyle/>
+          <a:p>
+            <a:pPr marL="0" marR="0" lvl="0" indent="0" algn="ctr" defTabSz="914400" rtl="0" eaLnBrk="1" fontAlgn="auto" latinLnBrk="0" hangingPunct="1">
+              <a:lnSpc>
+                <a:spcPct val="100000"/>
+              </a:lnSpc>
+              <a:spcBef>
+                <a:spcPts val="0"/>
+              </a:spcBef>
+              <a:spcAft>
+                <a:spcPts val="0"/>
+              </a:spcAft>
+              <a:buClrTx/>
+              <a:buSzTx/>
+              <a:buFontTx/>
+              <a:buNone/>
+              <a:tabLst/>
+              <a:defRPr/>
+            </a:pPr>
+            <a:endParaRPr kumimoji="0" lang="en-US" sz="1800" b="0" i="0" u="none" strike="noStrike" kern="1200" cap="none" spc="0" normalizeH="0" baseline="0" noProof="0">
+              <a:ln>
+                <a:noFill/>
+              </a:ln>
+              <a:solidFill>
+                <a:prstClr val="white"/>
+              </a:solidFill>
+              <a:effectLst/>
+              <a:uLnTx/>
+              <a:uFillTx/>
+              <a:latin typeface="Calibri" panose="020F0502020204030204"/>
+              <a:ea typeface="+mn-ea"/>
+              <a:cs typeface="+mn-cs"/>
+            </a:endParaRPr>
+          </a:p>
+        </p:txBody>
+      </p:sp>
+      <p:pic>
+        <p:nvPicPr>
+          <p:cNvPr id="7" name="Picture 6">
+            <a:extLst>
+              <a:ext uri="{FF2B5EF4-FFF2-40B4-BE49-F238E27FC236}">
+                <a16:creationId xmlns:a16="http://schemas.microsoft.com/office/drawing/2014/main" id="{0E719FEE-0D8E-4E31-832C-C428D17F0DEA}"/>
+              </a:ext>
+            </a:extLst>
+          </p:cNvPr>
+          <p:cNvPicPr>
+            <a:picLocks noChangeAspect="1"/>
+          </p:cNvPicPr>
+          <p:nvPr/>
+        </p:nvPicPr>
+        <p:blipFill rotWithShape="1">
+          <a:blip r:embed="rId2">
+            <a:extLst>
+              <a:ext uri="{28A0092B-C50C-407E-A947-70E740481C1C}">
+                <a14:useLocalDpi xmlns:a14="http://schemas.microsoft.com/office/drawing/2010/main" val="0"/>
+              </a:ext>
+            </a:extLst>
+          </a:blip>
+          <a:srcRect l="34082" r="11787" b="-1"/>
+          <a:stretch/>
+        </p:blipFill>
+        <p:spPr>
+          <a:xfrm>
+            <a:off x="6750141" y="-2"/>
+            <a:ext cx="5441859" cy="5654940"/>
+          </a:xfrm>
+          <a:custGeom>
+            <a:avLst/>
+            <a:gdLst/>
+            <a:ahLst/>
+            <a:cxnLst/>
+            <a:rect l="l" t="t" r="r" b="b"/>
+            <a:pathLst>
+              <a:path w="5441859" h="5654940">
+                <a:moveTo>
+                  <a:pt x="1041368" y="0"/>
+                </a:moveTo>
+                <a:lnTo>
+                  <a:pt x="5441859" y="0"/>
+                </a:lnTo>
+                <a:lnTo>
+                  <a:pt x="5441859" y="4820612"/>
+                </a:lnTo>
+                <a:lnTo>
+                  <a:pt x="5285166" y="4957981"/>
+                </a:lnTo>
+                <a:cubicBezTo>
+                  <a:pt x="4729628" y="5394557"/>
+                  <a:pt x="4029081" y="5654940"/>
+                  <a:pt x="3267719" y="5654940"/>
+                </a:cubicBezTo>
+                <a:cubicBezTo>
+                  <a:pt x="1463008" y="5654940"/>
+                  <a:pt x="0" y="4191932"/>
+                  <a:pt x="0" y="2387221"/>
+                </a:cubicBezTo>
+                <a:cubicBezTo>
+                  <a:pt x="0" y="1484866"/>
+                  <a:pt x="365752" y="667936"/>
+                  <a:pt x="957093" y="76595"/>
+                </a:cubicBezTo>
+                <a:close/>
+              </a:path>
+            </a:pathLst>
+          </a:custGeom>
+        </p:spPr>
+      </p:pic>
     </p:spTree>
     <p:extLst>
       <p:ext uri="{BB962C8B-B14F-4D97-AF65-F5344CB8AC3E}">
@@ -3630,7 +4693,7 @@
     </p:extLst>
   </p:cSld>
   <p:clrMapOvr>
-    <a:masterClrMapping/>
+    <a:overrideClrMapping bg1="dk1" tx1="lt1" bg2="dk2" tx2="lt2" accent1="accent1" accent2="accent2" accent3="accent3" accent4="accent4" accent5="accent5" accent6="accent6" hlink="hlink" folHlink="folHlink"/>
   </p:clrMapOvr>
 </p:sld>
 </file>
@@ -3638,6 +4701,17 @@
 <file path=ppt/slides/slide4.xml><?xml version="1.0" encoding="utf-8"?>
 <p:sld xmlns:a="http://schemas.openxmlformats.org/drawingml/2006/main" xmlns:r="http://schemas.openxmlformats.org/officeDocument/2006/relationships" xmlns:p="http://schemas.openxmlformats.org/presentationml/2006/main">
   <p:cSld>
+    <p:bg>
+      <p:bgPr>
+        <a:solidFill>
+          <a:schemeClr val="bg1">
+            <a:tint val="95000"/>
+            <a:satMod val="170000"/>
+          </a:schemeClr>
+        </a:solidFill>
+        <a:effectLst/>
+      </p:bgPr>
+    </p:bg>
     <p:spTree>
       <p:nvGrpSpPr>
         <p:cNvPr id="1" name=""/>
@@ -3668,9 +4742,16 @@
             <p:ph type="title"/>
           </p:nvPr>
         </p:nvSpPr>
-        <p:spPr/>
-        <p:txBody>
-          <a:bodyPr/>
+        <p:spPr>
+          <a:xfrm>
+            <a:off x="762000" y="540280"/>
+            <a:ext cx="5314536" cy="1325563"/>
+          </a:xfrm>
+        </p:spPr>
+        <p:txBody>
+          <a:bodyPr>
+            <a:normAutofit/>
+          </a:bodyPr>
           <a:lstStyle/>
           <a:p>
             <a:r>
@@ -3696,20 +4777,24 @@
             <p:ph idx="1"/>
           </p:nvPr>
         </p:nvSpPr>
-        <p:spPr/>
-        <p:txBody>
-          <a:bodyPr/>
+        <p:spPr>
+          <a:xfrm>
+            <a:off x="761993" y="1865842"/>
+            <a:ext cx="5314543" cy="4451877"/>
+          </a:xfrm>
+        </p:spPr>
+        <p:txBody>
+          <a:bodyPr anchor="t">
+            <a:noAutofit/>
+          </a:bodyPr>
           <a:lstStyle/>
           <a:p>
             <a:pPr marL="342900" lvl="0" indent="-342900">
-              <a:lnSpc>
-                <a:spcPct val="107000"/>
-              </a:lnSpc>
               <a:buFont typeface="+mj-lt"/>
               <a:buAutoNum type="arabicPeriod"/>
             </a:pPr>
             <a:r>
-              <a:rPr lang="en-AU" sz="1800" dirty="0">
+              <a:rPr lang="en-AU" sz="2000" dirty="0">
                 <a:effectLst/>
                 <a:latin typeface="Calibri" panose="020F0502020204030204" pitchFamily="34" charset="0"/>
                 <a:ea typeface="Calibri" panose="020F0502020204030204" pitchFamily="34" charset="0"/>
@@ -3720,14 +4805,11 @@
           </a:p>
           <a:p>
             <a:pPr marL="342900" lvl="0" indent="-342900">
-              <a:lnSpc>
-                <a:spcPct val="107000"/>
-              </a:lnSpc>
               <a:buFont typeface="+mj-lt"/>
               <a:buAutoNum type="arabicPeriod"/>
             </a:pPr>
             <a:r>
-              <a:rPr lang="en-AU" sz="1800" dirty="0">
+              <a:rPr lang="en-AU" sz="2000" dirty="0">
                 <a:effectLst/>
                 <a:latin typeface="Calibri" panose="020F0502020204030204" pitchFamily="34" charset="0"/>
                 <a:ea typeface="Calibri" panose="020F0502020204030204" pitchFamily="34" charset="0"/>
@@ -3738,14 +4820,11 @@
           </a:p>
           <a:p>
             <a:pPr marL="342900" lvl="0" indent="-342900">
-              <a:lnSpc>
-                <a:spcPct val="107000"/>
-              </a:lnSpc>
               <a:buFont typeface="+mj-lt"/>
               <a:buAutoNum type="arabicPeriod"/>
             </a:pPr>
             <a:r>
-              <a:rPr lang="en-AU" sz="1800" dirty="0">
+              <a:rPr lang="en-AU" sz="2000" dirty="0">
                 <a:effectLst/>
                 <a:latin typeface="Calibri" panose="020F0502020204030204" pitchFamily="34" charset="0"/>
                 <a:ea typeface="Calibri" panose="020F0502020204030204" pitchFamily="34" charset="0"/>
@@ -3756,9 +4835,6 @@
           </a:p>
           <a:p>
             <a:pPr marL="342900" lvl="0" indent="-342900">
-              <a:lnSpc>
-                <a:spcPct val="107000"/>
-              </a:lnSpc>
               <a:spcAft>
                 <a:spcPts val="800"/>
               </a:spcAft>
@@ -3766,7 +4842,7 @@
               <a:buAutoNum type="arabicPeriod"/>
             </a:pPr>
             <a:r>
-              <a:rPr lang="en-AU" sz="1800" dirty="0">
+              <a:rPr lang="en-AU" sz="2000" dirty="0">
                 <a:effectLst/>
                 <a:latin typeface="Calibri" panose="020F0502020204030204" pitchFamily="34" charset="0"/>
                 <a:ea typeface="Calibri" panose="020F0502020204030204" pitchFamily="34" charset="0"/>
@@ -3777,9 +4853,6 @@
           </a:p>
           <a:p>
             <a:pPr marL="342900" lvl="0" indent="-342900">
-              <a:lnSpc>
-                <a:spcPct val="107000"/>
-              </a:lnSpc>
               <a:spcAft>
                 <a:spcPts val="800"/>
               </a:spcAft>
@@ -3787,14 +4860,14 @@
               <a:buAutoNum type="arabicPeriod"/>
             </a:pPr>
             <a:r>
-              <a:rPr lang="en-AU" sz="1800" dirty="0">
+              <a:rPr lang="en-AU" sz="2000" dirty="0">
                 <a:latin typeface="Calibri" panose="020F0502020204030204" pitchFamily="34" charset="0"/>
                 <a:ea typeface="Calibri" panose="020F0502020204030204" pitchFamily="34" charset="0"/>
                 <a:cs typeface="Calibri" panose="020F0502020204030204" pitchFamily="34" charset="0"/>
               </a:rPr>
               <a:t>The nationality of the coach and the number of successes achieved with their teams</a:t>
             </a:r>
-            <a:endParaRPr lang="en-AU" sz="1800" dirty="0">
+            <a:endParaRPr lang="en-AU" sz="2000" dirty="0">
               <a:effectLst/>
               <a:latin typeface="Calibri" panose="020F0502020204030204" pitchFamily="34" charset="0"/>
               <a:ea typeface="Calibri" panose="020F0502020204030204" pitchFamily="34" charset="0"/>
@@ -3803,6 +4876,244 @@
           </a:p>
         </p:txBody>
       </p:sp>
+      <p:sp>
+        <p:nvSpPr>
+          <p:cNvPr id="33" name="Freeform: Shape 9">
+            <a:extLst>
+              <a:ext uri="{FF2B5EF4-FFF2-40B4-BE49-F238E27FC236}">
+                <a16:creationId xmlns:a16="http://schemas.microsoft.com/office/drawing/2014/main" id="{CF62D2A7-8207-488C-9F46-316BA81A16C8}"/>
+              </a:ext>
+              <a:ext uri="{C183D7F6-B498-43B3-948B-1728B52AA6E4}">
+                <adec:decorative xmlns:adec="http://schemas.microsoft.com/office/drawing/2017/decorative" val="1"/>
+              </a:ext>
+            </a:extLst>
+          </p:cNvPr>
+          <p:cNvSpPr>
+            <a:spLocks noGrp="1" noRot="1" noChangeAspect="1" noMove="1" noResize="1" noEditPoints="1" noAdjustHandles="1" noChangeArrowheads="1" noChangeShapeType="1" noTextEdit="1"/>
+          </p:cNvSpPr>
+          <p:nvPr>
+            <p:extLst>
+              <p:ext uri="{386F3935-93C4-4BCD-93E2-E3B085C9AB24}">
+                <p16:designElem xmlns:p16="http://schemas.microsoft.com/office/powerpoint/2015/main" val="1"/>
+              </p:ext>
+            </p:extLst>
+          </p:nvPr>
+        </p:nvSpPr>
+        <p:spPr>
+          <a:xfrm flipH="1">
+            <a:off x="6582780" y="-2008"/>
+            <a:ext cx="5609220" cy="5840278"/>
+          </a:xfrm>
+          <a:custGeom>
+            <a:avLst/>
+            <a:gdLst>
+              <a:gd name="connsiteX0" fmla="*/ 0 w 5609220"/>
+              <a:gd name="connsiteY0" fmla="*/ 0 h 5840278"/>
+              <a:gd name="connsiteX1" fmla="*/ 4637091 w 5609220"/>
+              <a:gd name="connsiteY1" fmla="*/ 0 h 5840278"/>
+              <a:gd name="connsiteX2" fmla="*/ 4822569 w 5609220"/>
+              <a:gd name="connsiteY2" fmla="*/ 204077 h 5840278"/>
+              <a:gd name="connsiteX3" fmla="*/ 5609220 w 5609220"/>
+              <a:gd name="connsiteY3" fmla="*/ 2395363 h 5840278"/>
+              <a:gd name="connsiteX4" fmla="*/ 2164305 w 5609220"/>
+              <a:gd name="connsiteY4" fmla="*/ 5840278 h 5840278"/>
+              <a:gd name="connsiteX5" fmla="*/ 238220 w 5609220"/>
+              <a:gd name="connsiteY5" fmla="*/ 5251941 h 5840278"/>
+              <a:gd name="connsiteX6" fmla="*/ 0 w 5609220"/>
+              <a:gd name="connsiteY6" fmla="*/ 5073803 h 5840278"/>
+            </a:gdLst>
+            <a:ahLst/>
+            <a:cxnLst>
+              <a:cxn ang="0">
+                <a:pos x="connsiteX0" y="connsiteY0"/>
+              </a:cxn>
+              <a:cxn ang="0">
+                <a:pos x="connsiteX1" y="connsiteY1"/>
+              </a:cxn>
+              <a:cxn ang="0">
+                <a:pos x="connsiteX2" y="connsiteY2"/>
+              </a:cxn>
+              <a:cxn ang="0">
+                <a:pos x="connsiteX3" y="connsiteY3"/>
+              </a:cxn>
+              <a:cxn ang="0">
+                <a:pos x="connsiteX4" y="connsiteY4"/>
+              </a:cxn>
+              <a:cxn ang="0">
+                <a:pos x="connsiteX5" y="connsiteY5"/>
+              </a:cxn>
+              <a:cxn ang="0">
+                <a:pos x="connsiteX6" y="connsiteY6"/>
+              </a:cxn>
+            </a:cxnLst>
+            <a:rect l="l" t="t" r="r" b="b"/>
+            <a:pathLst>
+              <a:path w="5609220" h="5840278">
+                <a:moveTo>
+                  <a:pt x="0" y="0"/>
+                </a:moveTo>
+                <a:lnTo>
+                  <a:pt x="4637091" y="0"/>
+                </a:lnTo>
+                <a:lnTo>
+                  <a:pt x="4822569" y="204077"/>
+                </a:lnTo>
+                <a:cubicBezTo>
+                  <a:pt x="5314007" y="799562"/>
+                  <a:pt x="5609220" y="1562987"/>
+                  <a:pt x="5609220" y="2395363"/>
+                </a:cubicBezTo>
+                <a:cubicBezTo>
+                  <a:pt x="5609220" y="4297937"/>
+                  <a:pt x="4066879" y="5840278"/>
+                  <a:pt x="2164305" y="5840278"/>
+                </a:cubicBezTo>
+                <a:cubicBezTo>
+                  <a:pt x="1450840" y="5840278"/>
+                  <a:pt x="788032" y="5623387"/>
+                  <a:pt x="238220" y="5251941"/>
+                </a:cubicBezTo>
+                <a:lnTo>
+                  <a:pt x="0" y="5073803"/>
+                </a:lnTo>
+                <a:close/>
+              </a:path>
+            </a:pathLst>
+          </a:custGeom>
+          <a:solidFill>
+            <a:srgbClr val="FFFFFF">
+              <a:alpha val="80000"/>
+            </a:srgbClr>
+          </a:solidFill>
+          <a:ln>
+            <a:noFill/>
+          </a:ln>
+        </p:spPr>
+        <p:style>
+          <a:lnRef idx="2">
+            <a:schemeClr val="accent1">
+              <a:shade val="50000"/>
+            </a:schemeClr>
+          </a:lnRef>
+          <a:fillRef idx="1">
+            <a:schemeClr val="accent1"/>
+          </a:fillRef>
+          <a:effectRef idx="0">
+            <a:schemeClr val="accent1"/>
+          </a:effectRef>
+          <a:fontRef idx="minor">
+            <a:schemeClr val="lt1"/>
+          </a:fontRef>
+        </p:style>
+        <p:txBody>
+          <a:bodyPr rtlCol="0" anchor="ctr"/>
+          <a:lstStyle/>
+          <a:p>
+            <a:pPr marL="0" marR="0" lvl="0" indent="0" algn="ctr" defTabSz="914400" rtl="0" eaLnBrk="1" fontAlgn="auto" latinLnBrk="0" hangingPunct="1">
+              <a:lnSpc>
+                <a:spcPct val="100000"/>
+              </a:lnSpc>
+              <a:spcBef>
+                <a:spcPts val="0"/>
+              </a:spcBef>
+              <a:spcAft>
+                <a:spcPts val="0"/>
+              </a:spcAft>
+              <a:buClrTx/>
+              <a:buSzTx/>
+              <a:buFontTx/>
+              <a:buNone/>
+              <a:tabLst/>
+              <a:defRPr/>
+            </a:pPr>
+            <a:endParaRPr kumimoji="0" lang="en-US" sz="1800" b="0" i="0" u="none" strike="noStrike" kern="1200" cap="none" spc="0" normalizeH="0" baseline="0" noProof="0">
+              <a:ln>
+                <a:noFill/>
+              </a:ln>
+              <a:solidFill>
+                <a:prstClr val="white"/>
+              </a:solidFill>
+              <a:effectLst/>
+              <a:uLnTx/>
+              <a:uFillTx/>
+              <a:latin typeface="Calibri" panose="020F0502020204030204"/>
+              <a:ea typeface="+mn-ea"/>
+              <a:cs typeface="+mn-cs"/>
+            </a:endParaRPr>
+          </a:p>
+        </p:txBody>
+      </p:sp>
+      <p:pic>
+        <p:nvPicPr>
+          <p:cNvPr id="5" name="Picture 4" descr="A football player kicking a football ball&#10;&#10;Description automatically generated with medium confidence">
+            <a:extLst>
+              <a:ext uri="{FF2B5EF4-FFF2-40B4-BE49-F238E27FC236}">
+                <a16:creationId xmlns:a16="http://schemas.microsoft.com/office/drawing/2014/main" id="{FEEDB2A6-63CB-4957-A9B4-3EA7627F9D51}"/>
+              </a:ext>
+            </a:extLst>
+          </p:cNvPr>
+          <p:cNvPicPr>
+            <a:picLocks noChangeAspect="1"/>
+          </p:cNvPicPr>
+          <p:nvPr/>
+        </p:nvPicPr>
+        <p:blipFill rotWithShape="1">
+          <a:blip r:embed="rId2">
+            <a:extLst>
+              <a:ext uri="{28A0092B-C50C-407E-A947-70E740481C1C}">
+                <a14:useLocalDpi xmlns:a14="http://schemas.microsoft.com/office/drawing/2010/main" val="0"/>
+              </a:ext>
+            </a:extLst>
+          </a:blip>
+          <a:srcRect l="16548" r="43275"/>
+          <a:stretch/>
+        </p:blipFill>
+        <p:spPr>
+          <a:xfrm>
+            <a:off x="6750141" y="-2"/>
+            <a:ext cx="5441859" cy="5654940"/>
+          </a:xfrm>
+          <a:custGeom>
+            <a:avLst/>
+            <a:gdLst/>
+            <a:ahLst/>
+            <a:cxnLst/>
+            <a:rect l="l" t="t" r="r" b="b"/>
+            <a:pathLst>
+              <a:path w="5441859" h="5654940">
+                <a:moveTo>
+                  <a:pt x="1041368" y="0"/>
+                </a:moveTo>
+                <a:lnTo>
+                  <a:pt x="5441859" y="0"/>
+                </a:lnTo>
+                <a:lnTo>
+                  <a:pt x="5441859" y="4820612"/>
+                </a:lnTo>
+                <a:lnTo>
+                  <a:pt x="5285166" y="4957981"/>
+                </a:lnTo>
+                <a:cubicBezTo>
+                  <a:pt x="4729628" y="5394557"/>
+                  <a:pt x="4029081" y="5654940"/>
+                  <a:pt x="3267719" y="5654940"/>
+                </a:cubicBezTo>
+                <a:cubicBezTo>
+                  <a:pt x="1463008" y="5654940"/>
+                  <a:pt x="0" y="4191932"/>
+                  <a:pt x="0" y="2387221"/>
+                </a:cubicBezTo>
+                <a:cubicBezTo>
+                  <a:pt x="0" y="1484866"/>
+                  <a:pt x="365752" y="667936"/>
+                  <a:pt x="957093" y="76595"/>
+                </a:cubicBezTo>
+                <a:close/>
+              </a:path>
+            </a:pathLst>
+          </a:custGeom>
+        </p:spPr>
+      </p:pic>
     </p:spTree>
     <p:extLst>
       <p:ext uri="{BB962C8B-B14F-4D97-AF65-F5344CB8AC3E}">
@@ -3811,7 +5122,7 @@
     </p:extLst>
   </p:cSld>
   <p:clrMapOvr>
-    <a:masterClrMapping/>
+    <a:overrideClrMapping bg1="dk1" tx1="lt1" bg2="dk2" tx2="lt2" accent1="accent1" accent2="accent2" accent3="accent3" accent4="accent4" accent5="accent5" accent6="accent6" hlink="hlink" folHlink="folHlink"/>
   </p:clrMapOvr>
 </p:sld>
 </file>
@@ -3819,6 +5130,17 @@
 <file path=ppt/slides/slide5.xml><?xml version="1.0" encoding="utf-8"?>
 <p:sld xmlns:a="http://schemas.openxmlformats.org/drawingml/2006/main" xmlns:r="http://schemas.openxmlformats.org/officeDocument/2006/relationships" xmlns:p="http://schemas.openxmlformats.org/presentationml/2006/main">
   <p:cSld>
+    <p:bg>
+      <p:bgPr>
+        <a:solidFill>
+          <a:schemeClr val="bg1">
+            <a:tint val="95000"/>
+            <a:satMod val="170000"/>
+          </a:schemeClr>
+        </a:solidFill>
+        <a:effectLst/>
+      </p:bgPr>
+    </p:bg>
     <p:spTree>
       <p:nvGrpSpPr>
         <p:cNvPr id="1" name=""/>
@@ -3835,6 +5157,335 @@
       </p:grpSpPr>
       <p:sp>
         <p:nvSpPr>
+          <p:cNvPr id="8" name="Freeform: Shape 7">
+            <a:extLst>
+              <a:ext uri="{FF2B5EF4-FFF2-40B4-BE49-F238E27FC236}">
+                <a16:creationId xmlns:a16="http://schemas.microsoft.com/office/drawing/2014/main" id="{AD21898E-86C0-4C8A-A76C-DF33E844C87A}"/>
+              </a:ext>
+              <a:ext uri="{C183D7F6-B498-43B3-948B-1728B52AA6E4}">
+                <adec:decorative xmlns:adec="http://schemas.microsoft.com/office/drawing/2017/decorative" val="1"/>
+              </a:ext>
+            </a:extLst>
+          </p:cNvPr>
+          <p:cNvSpPr>
+            <a:spLocks noGrp="1" noRot="1" noChangeAspect="1" noMove="1" noResize="1" noEditPoints="1" noAdjustHandles="1" noChangeArrowheads="1" noChangeShapeType="1" noTextEdit="1"/>
+          </p:cNvSpPr>
+          <p:nvPr>
+            <p:extLst>
+              <p:ext uri="{386F3935-93C4-4BCD-93E2-E3B085C9AB24}">
+                <p16:designElem xmlns:p16="http://schemas.microsoft.com/office/powerpoint/2015/main" val="1"/>
+              </p:ext>
+            </p:extLst>
+          </p:nvPr>
+        </p:nvSpPr>
+        <p:spPr>
+          <a:xfrm>
+            <a:off x="879542" y="0"/>
+            <a:ext cx="10432916" cy="6858000"/>
+          </a:xfrm>
+          <a:custGeom>
+            <a:avLst/>
+            <a:gdLst>
+              <a:gd name="connsiteX0" fmla="*/ 1287962 w 10432916"/>
+              <a:gd name="connsiteY0" fmla="*/ 0 h 6858000"/>
+              <a:gd name="connsiteX1" fmla="*/ 9144956 w 10432916"/>
+              <a:gd name="connsiteY1" fmla="*/ 0 h 6858000"/>
+              <a:gd name="connsiteX2" fmla="*/ 9241731 w 10432916"/>
+              <a:gd name="connsiteY2" fmla="*/ 111692 h 6858000"/>
+              <a:gd name="connsiteX3" fmla="*/ 10432916 w 10432916"/>
+              <a:gd name="connsiteY3" fmla="*/ 3429001 h 6858000"/>
+              <a:gd name="connsiteX4" fmla="*/ 9241730 w 10432916"/>
+              <a:gd name="connsiteY4" fmla="*/ 6746310 h 6858000"/>
+              <a:gd name="connsiteX5" fmla="*/ 9144957 w 10432916"/>
+              <a:gd name="connsiteY5" fmla="*/ 6858000 h 6858000"/>
+              <a:gd name="connsiteX6" fmla="*/ 1287959 w 10432916"/>
+              <a:gd name="connsiteY6" fmla="*/ 6858000 h 6858000"/>
+              <a:gd name="connsiteX7" fmla="*/ 1191186 w 10432916"/>
+              <a:gd name="connsiteY7" fmla="*/ 6746310 h 6858000"/>
+              <a:gd name="connsiteX8" fmla="*/ 0 w 10432916"/>
+              <a:gd name="connsiteY8" fmla="*/ 3429001 h 6858000"/>
+              <a:gd name="connsiteX9" fmla="*/ 1191186 w 10432916"/>
+              <a:gd name="connsiteY9" fmla="*/ 111692 h 6858000"/>
+            </a:gdLst>
+            <a:ahLst/>
+            <a:cxnLst>
+              <a:cxn ang="0">
+                <a:pos x="connsiteX0" y="connsiteY0"/>
+              </a:cxn>
+              <a:cxn ang="0">
+                <a:pos x="connsiteX1" y="connsiteY1"/>
+              </a:cxn>
+              <a:cxn ang="0">
+                <a:pos x="connsiteX2" y="connsiteY2"/>
+              </a:cxn>
+              <a:cxn ang="0">
+                <a:pos x="connsiteX3" y="connsiteY3"/>
+              </a:cxn>
+              <a:cxn ang="0">
+                <a:pos x="connsiteX4" y="connsiteY4"/>
+              </a:cxn>
+              <a:cxn ang="0">
+                <a:pos x="connsiteX5" y="connsiteY5"/>
+              </a:cxn>
+              <a:cxn ang="0">
+                <a:pos x="connsiteX6" y="connsiteY6"/>
+              </a:cxn>
+              <a:cxn ang="0">
+                <a:pos x="connsiteX7" y="connsiteY7"/>
+              </a:cxn>
+              <a:cxn ang="0">
+                <a:pos x="connsiteX8" y="connsiteY8"/>
+              </a:cxn>
+              <a:cxn ang="0">
+                <a:pos x="connsiteX9" y="connsiteY9"/>
+              </a:cxn>
+            </a:cxnLst>
+            <a:rect l="l" t="t" r="r" b="b"/>
+            <a:pathLst>
+              <a:path w="10432916" h="6858000">
+                <a:moveTo>
+                  <a:pt x="1287962" y="0"/>
+                </a:moveTo>
+                <a:lnTo>
+                  <a:pt x="9144956" y="0"/>
+                </a:lnTo>
+                <a:lnTo>
+                  <a:pt x="9241731" y="111692"/>
+                </a:lnTo>
+                <a:cubicBezTo>
+                  <a:pt x="9985889" y="1013175"/>
+                  <a:pt x="10432916" y="2168897"/>
+                  <a:pt x="10432916" y="3429001"/>
+                </a:cubicBezTo>
+                <a:cubicBezTo>
+                  <a:pt x="10432916" y="4689105"/>
+                  <a:pt x="9985889" y="5844827"/>
+                  <a:pt x="9241730" y="6746310"/>
+                </a:cubicBezTo>
+                <a:lnTo>
+                  <a:pt x="9144957" y="6858000"/>
+                </a:lnTo>
+                <a:lnTo>
+                  <a:pt x="1287959" y="6858000"/>
+                </a:lnTo>
+                <a:lnTo>
+                  <a:pt x="1191186" y="6746310"/>
+                </a:lnTo>
+                <a:cubicBezTo>
+                  <a:pt x="447027" y="5844827"/>
+                  <a:pt x="0" y="4689105"/>
+                  <a:pt x="0" y="3429001"/>
+                </a:cubicBezTo>
+                <a:cubicBezTo>
+                  <a:pt x="0" y="2168897"/>
+                  <a:pt x="447027" y="1013175"/>
+                  <a:pt x="1191186" y="111692"/>
+                </a:cubicBezTo>
+                <a:close/>
+              </a:path>
+            </a:pathLst>
+          </a:custGeom>
+          <a:solidFill>
+            <a:schemeClr val="tx1">
+              <a:alpha val="80000"/>
+            </a:schemeClr>
+          </a:solidFill>
+          <a:ln>
+            <a:noFill/>
+          </a:ln>
+        </p:spPr>
+        <p:style>
+          <a:lnRef idx="2">
+            <a:schemeClr val="accent1">
+              <a:shade val="50000"/>
+            </a:schemeClr>
+          </a:lnRef>
+          <a:fillRef idx="1">
+            <a:schemeClr val="accent1"/>
+          </a:fillRef>
+          <a:effectRef idx="0">
+            <a:schemeClr val="accent1"/>
+          </a:effectRef>
+          <a:fontRef idx="minor">
+            <a:schemeClr val="lt1"/>
+          </a:fontRef>
+        </p:style>
+        <p:txBody>
+          <a:bodyPr rtlCol="0" anchor="ctr"/>
+          <a:lstStyle/>
+          <a:p>
+            <a:pPr algn="ctr"/>
+            <a:endParaRPr lang="en-US"/>
+          </a:p>
+        </p:txBody>
+      </p:sp>
+      <p:sp>
+        <p:nvSpPr>
+          <p:cNvPr id="10" name="Freeform: Shape 9">
+            <a:extLst>
+              <a:ext uri="{FF2B5EF4-FFF2-40B4-BE49-F238E27FC236}">
+                <a16:creationId xmlns:a16="http://schemas.microsoft.com/office/drawing/2014/main" id="{5C8F04BD-D093-45D0-B54C-50FDB308B4EE}"/>
+              </a:ext>
+              <a:ext uri="{C183D7F6-B498-43B3-948B-1728B52AA6E4}">
+                <adec:decorative xmlns:adec="http://schemas.microsoft.com/office/drawing/2017/decorative" val="1"/>
+              </a:ext>
+            </a:extLst>
+          </p:cNvPr>
+          <p:cNvSpPr>
+            <a:spLocks noGrp="1" noRot="1" noChangeAspect="1" noMove="1" noResize="1" noEditPoints="1" noAdjustHandles="1" noChangeArrowheads="1" noChangeShapeType="1" noTextEdit="1"/>
+          </p:cNvSpPr>
+          <p:nvPr>
+            <p:extLst>
+              <p:ext uri="{386F3935-93C4-4BCD-93E2-E3B085C9AB24}">
+                <p16:designElem xmlns:p16="http://schemas.microsoft.com/office/powerpoint/2015/main" val="1"/>
+              </p:ext>
+            </p:extLst>
+          </p:nvPr>
+        </p:nvSpPr>
+        <p:spPr>
+          <a:xfrm>
+            <a:off x="1134942" y="0"/>
+            <a:ext cx="9922116" cy="6858000"/>
+          </a:xfrm>
+          <a:custGeom>
+            <a:avLst/>
+            <a:gdLst>
+              <a:gd name="connsiteX0" fmla="*/ 1378575 w 9922116"/>
+              <a:gd name="connsiteY0" fmla="*/ 0 h 6858000"/>
+              <a:gd name="connsiteX1" fmla="*/ 8543542 w 9922116"/>
+              <a:gd name="connsiteY1" fmla="*/ 0 h 6858000"/>
+              <a:gd name="connsiteX2" fmla="*/ 8633323 w 9922116"/>
+              <a:gd name="connsiteY2" fmla="*/ 94145 h 6858000"/>
+              <a:gd name="connsiteX3" fmla="*/ 9922116 w 9922116"/>
+              <a:gd name="connsiteY3" fmla="*/ 3429001 h 6858000"/>
+              <a:gd name="connsiteX4" fmla="*/ 8633323 w 9922116"/>
+              <a:gd name="connsiteY4" fmla="*/ 6763858 h 6858000"/>
+              <a:gd name="connsiteX5" fmla="*/ 8543544 w 9922116"/>
+              <a:gd name="connsiteY5" fmla="*/ 6858000 h 6858000"/>
+              <a:gd name="connsiteX6" fmla="*/ 1378573 w 9922116"/>
+              <a:gd name="connsiteY6" fmla="*/ 6858000 h 6858000"/>
+              <a:gd name="connsiteX7" fmla="*/ 1288793 w 9922116"/>
+              <a:gd name="connsiteY7" fmla="*/ 6763858 h 6858000"/>
+              <a:gd name="connsiteX8" fmla="*/ 0 w 9922116"/>
+              <a:gd name="connsiteY8" fmla="*/ 3429001 h 6858000"/>
+              <a:gd name="connsiteX9" fmla="*/ 1288793 w 9922116"/>
+              <a:gd name="connsiteY9" fmla="*/ 94145 h 6858000"/>
+            </a:gdLst>
+            <a:ahLst/>
+            <a:cxnLst>
+              <a:cxn ang="0">
+                <a:pos x="connsiteX0" y="connsiteY0"/>
+              </a:cxn>
+              <a:cxn ang="0">
+                <a:pos x="connsiteX1" y="connsiteY1"/>
+              </a:cxn>
+              <a:cxn ang="0">
+                <a:pos x="connsiteX2" y="connsiteY2"/>
+              </a:cxn>
+              <a:cxn ang="0">
+                <a:pos x="connsiteX3" y="connsiteY3"/>
+              </a:cxn>
+              <a:cxn ang="0">
+                <a:pos x="connsiteX4" y="connsiteY4"/>
+              </a:cxn>
+              <a:cxn ang="0">
+                <a:pos x="connsiteX5" y="connsiteY5"/>
+              </a:cxn>
+              <a:cxn ang="0">
+                <a:pos x="connsiteX6" y="connsiteY6"/>
+              </a:cxn>
+              <a:cxn ang="0">
+                <a:pos x="connsiteX7" y="connsiteY7"/>
+              </a:cxn>
+              <a:cxn ang="0">
+                <a:pos x="connsiteX8" y="connsiteY8"/>
+              </a:cxn>
+              <a:cxn ang="0">
+                <a:pos x="connsiteX9" y="connsiteY9"/>
+              </a:cxn>
+            </a:cxnLst>
+            <a:rect l="l" t="t" r="r" b="b"/>
+            <a:pathLst>
+              <a:path w="9922116" h="6858000">
+                <a:moveTo>
+                  <a:pt x="1378575" y="0"/>
+                </a:moveTo>
+                <a:lnTo>
+                  <a:pt x="8543542" y="0"/>
+                </a:lnTo>
+                <a:lnTo>
+                  <a:pt x="8633323" y="94145"/>
+                </a:lnTo>
+                <a:cubicBezTo>
+                  <a:pt x="9434072" y="974941"/>
+                  <a:pt x="9922116" y="2144991"/>
+                  <a:pt x="9922116" y="3429001"/>
+                </a:cubicBezTo>
+                <a:cubicBezTo>
+                  <a:pt x="9922116" y="4713011"/>
+                  <a:pt x="9434072" y="5883061"/>
+                  <a:pt x="8633323" y="6763858"/>
+                </a:cubicBezTo>
+                <a:lnTo>
+                  <a:pt x="8543544" y="6858000"/>
+                </a:lnTo>
+                <a:lnTo>
+                  <a:pt x="1378573" y="6858000"/>
+                </a:lnTo>
+                <a:lnTo>
+                  <a:pt x="1288793" y="6763858"/>
+                </a:lnTo>
+                <a:cubicBezTo>
+                  <a:pt x="488044" y="5883061"/>
+                  <a:pt x="0" y="4713011"/>
+                  <a:pt x="0" y="3429001"/>
+                </a:cubicBezTo>
+                <a:cubicBezTo>
+                  <a:pt x="0" y="2144991"/>
+                  <a:pt x="488044" y="974941"/>
+                  <a:pt x="1288793" y="94145"/>
+                </a:cubicBezTo>
+                <a:close/>
+              </a:path>
+            </a:pathLst>
+          </a:custGeom>
+          <a:solidFill>
+            <a:schemeClr val="bg1">
+              <a:lumMod val="65000"/>
+              <a:lumOff val="35000"/>
+            </a:schemeClr>
+          </a:solidFill>
+          <a:ln>
+            <a:noFill/>
+          </a:ln>
+        </p:spPr>
+        <p:style>
+          <a:lnRef idx="2">
+            <a:schemeClr val="accent1">
+              <a:shade val="50000"/>
+            </a:schemeClr>
+          </a:lnRef>
+          <a:fillRef idx="1">
+            <a:schemeClr val="accent1"/>
+          </a:fillRef>
+          <a:effectRef idx="0">
+            <a:schemeClr val="accent1"/>
+          </a:effectRef>
+          <a:fontRef idx="minor">
+            <a:schemeClr val="lt1"/>
+          </a:fontRef>
+        </p:style>
+        <p:txBody>
+          <a:bodyPr rtlCol="0" anchor="ctr"/>
+          <a:lstStyle/>
+          <a:p>
+            <a:pPr algn="ctr"/>
+            <a:endParaRPr lang="en-US" dirty="0"/>
+          </a:p>
+        </p:txBody>
+      </p:sp>
+      <p:sp>
+        <p:nvSpPr>
           <p:cNvPr id="2" name="Title 1">
             <a:extLst>
               <a:ext uri="{FF2B5EF4-FFF2-40B4-BE49-F238E27FC236}">
@@ -3849,15 +5500,24 @@
             <p:ph type="title"/>
           </p:nvPr>
         </p:nvSpPr>
-        <p:spPr/>
-        <p:txBody>
-          <a:bodyPr/>
-          <a:lstStyle/>
-          <a:p>
+        <p:spPr>
+          <a:xfrm>
+            <a:off x="2311147" y="365760"/>
+            <a:ext cx="7569706" cy="1288238"/>
+          </a:xfrm>
+        </p:spPr>
+        <p:txBody>
+          <a:bodyPr anchor="ctr">
+            <a:normAutofit/>
+          </a:bodyPr>
+          <a:lstStyle/>
+          <a:p>
+            <a:pPr algn="ctr"/>
             <a:r>
               <a:rPr lang="en-AU" dirty="0"/>
               <a:t>Designing our Dashboard</a:t>
             </a:r>
+            <a:endParaRPr lang="en-AU"/>
           </a:p>
         </p:txBody>
       </p:sp>
@@ -3877,13 +5537,20 @@
             <p:ph idx="1"/>
           </p:nvPr>
         </p:nvSpPr>
-        <p:spPr/>
-        <p:txBody>
-          <a:bodyPr/>
-          <a:lstStyle/>
-          <a:p>
-            <a:r>
-              <a:rPr lang="en-AU" dirty="0"/>
+        <p:spPr>
+          <a:xfrm>
+            <a:off x="2165569" y="1956816"/>
+            <a:ext cx="7860863" cy="4024884"/>
+          </a:xfrm>
+        </p:spPr>
+        <p:txBody>
+          <a:bodyPr anchor="t">
+            <a:normAutofit/>
+          </a:bodyPr>
+          <a:lstStyle/>
+          <a:p>
+            <a:r>
+              <a:rPr lang="en-AU" sz="2400" dirty="0"/>
               <a:t>ETL process and Data exploration	</a:t>
             </a:r>
           </a:p>
@@ -3941,7 +5608,7 @@
     </p:extLst>
   </p:cSld>
   <p:clrMapOvr>
-    <a:masterClrMapping/>
+    <a:overrideClrMapping bg1="dk1" tx1="lt1" bg2="dk2" tx2="lt2" accent1="accent1" accent2="accent2" accent3="accent3" accent4="accent4" accent5="accent5" accent6="accent6" hlink="hlink" folHlink="folHlink"/>
   </p:clrMapOvr>
 </p:sld>
 </file>
@@ -3949,6 +5616,14 @@
 <file path=ppt/slides/slide6.xml><?xml version="1.0" encoding="utf-8"?>
 <p:sld xmlns:a="http://schemas.openxmlformats.org/drawingml/2006/main" xmlns:r="http://schemas.openxmlformats.org/officeDocument/2006/relationships" xmlns:p="http://schemas.openxmlformats.org/presentationml/2006/main">
   <p:cSld>
+    <p:bg>
+      <p:bgPr>
+        <a:solidFill>
+          <a:schemeClr val="bg1"/>
+        </a:solidFill>
+        <a:effectLst/>
+      </p:bgPr>
+    </p:bg>
     <p:spTree>
       <p:nvGrpSpPr>
         <p:cNvPr id="1" name=""/>
@@ -3963,6 +5638,137 @@
           <a:chExt cx="0" cy="0"/>
         </a:xfrm>
       </p:grpSpPr>
+      <p:pic>
+        <p:nvPicPr>
+          <p:cNvPr id="7" name="Picture 6" descr="A picture containing grass, soccer, outdoor, toy&#10;&#10;Description automatically generated">
+            <a:extLst>
+              <a:ext uri="{FF2B5EF4-FFF2-40B4-BE49-F238E27FC236}">
+                <a16:creationId xmlns:a16="http://schemas.microsoft.com/office/drawing/2014/main" id="{5474237F-FC38-434B-A37F-C1B9397AF043}"/>
+              </a:ext>
+            </a:extLst>
+          </p:cNvPr>
+          <p:cNvPicPr>
+            <a:picLocks noChangeAspect="1"/>
+          </p:cNvPicPr>
+          <p:nvPr/>
+        </p:nvPicPr>
+        <p:blipFill rotWithShape="1">
+          <a:blip r:embed="rId2">
+            <a:extLst>
+              <a:ext uri="{28A0092B-C50C-407E-A947-70E740481C1C}">
+                <a14:useLocalDpi xmlns:a14="http://schemas.microsoft.com/office/drawing/2010/main" val="0"/>
+              </a:ext>
+            </a:extLst>
+          </a:blip>
+          <a:srcRect l="3183" t="9091" r="5908"/>
+          <a:stretch/>
+        </p:blipFill>
+        <p:spPr>
+          <a:xfrm>
+            <a:off x="20" y="10"/>
+            <a:ext cx="12191980" cy="6857990"/>
+          </a:xfrm>
+          <a:prstGeom prst="rect">
+            <a:avLst/>
+          </a:prstGeom>
+        </p:spPr>
+      </p:pic>
+      <p:sp>
+        <p:nvSpPr>
+          <p:cNvPr id="17" name="Rectangle 16">
+            <a:extLst>
+              <a:ext uri="{FF2B5EF4-FFF2-40B4-BE49-F238E27FC236}">
+                <a16:creationId xmlns:a16="http://schemas.microsoft.com/office/drawing/2014/main" id="{7B51B11D-BBCD-47C7-A599-1EDA2F22FE08}"/>
+              </a:ext>
+              <a:ext uri="{C183D7F6-B498-43B3-948B-1728B52AA6E4}">
+                <adec:decorative xmlns:adec="http://schemas.microsoft.com/office/drawing/2017/decorative" val="1"/>
+              </a:ext>
+            </a:extLst>
+          </p:cNvPr>
+          <p:cNvSpPr>
+            <a:spLocks noGrp="1" noRot="1" noChangeAspect="1" noMove="1" noResize="1" noEditPoints="1" noAdjustHandles="1" noChangeArrowheads="1" noChangeShapeType="1" noTextEdit="1"/>
+          </p:cNvSpPr>
+          <p:nvPr>
+            <p:extLst>
+              <p:ext uri="{386F3935-93C4-4BCD-93E2-E3B085C9AB24}">
+                <p16:designElem xmlns:p16="http://schemas.microsoft.com/office/powerpoint/2015/main" val="1"/>
+              </p:ext>
+            </p:extLst>
+          </p:nvPr>
+        </p:nvSpPr>
+        <p:spPr bwMode="ltGray">
+          <a:xfrm>
+            <a:off x="393308" y="4549726"/>
+            <a:ext cx="11438793" cy="1844256"/>
+          </a:xfrm>
+          <a:prstGeom prst="rect">
+            <a:avLst/>
+          </a:prstGeom>
+          <a:solidFill>
+            <a:srgbClr val="404040">
+              <a:alpha val="93000"/>
+            </a:srgbClr>
+          </a:solidFill>
+          <a:ln w="127000" cap="sq" cmpd="thinThick">
+            <a:solidFill>
+              <a:srgbClr val="404040"/>
+            </a:solidFill>
+          </a:ln>
+        </p:spPr>
+        <p:style>
+          <a:lnRef idx="2">
+            <a:schemeClr val="accent1">
+              <a:shade val="50000"/>
+            </a:schemeClr>
+          </a:lnRef>
+          <a:fillRef idx="1">
+            <a:schemeClr val="accent1"/>
+          </a:fillRef>
+          <a:effectRef idx="0">
+            <a:schemeClr val="accent1"/>
+          </a:effectRef>
+          <a:fontRef idx="minor">
+            <a:schemeClr val="lt1"/>
+          </a:fontRef>
+        </p:style>
+        <p:txBody>
+          <a:bodyPr rtlCol="0" anchor="ctr"/>
+          <a:lstStyle/>
+          <a:p>
+            <a:pPr marL="0" marR="0" lvl="0" indent="0" algn="ctr" defTabSz="914400" rtl="0" eaLnBrk="1" fontAlgn="auto" latinLnBrk="0" hangingPunct="1">
+              <a:lnSpc>
+                <a:spcPct val="100000"/>
+              </a:lnSpc>
+              <a:spcBef>
+                <a:spcPts val="0"/>
+              </a:spcBef>
+              <a:spcAft>
+                <a:spcPts val="0"/>
+              </a:spcAft>
+              <a:buClrTx/>
+              <a:buSzTx/>
+              <a:buFontTx/>
+              <a:buNone/>
+              <a:tabLst/>
+              <a:defRPr/>
+            </a:pPr>
+            <a:endParaRPr kumimoji="0" lang="en-US" sz="1800" b="0" i="0" u="none" strike="noStrike" kern="1200" cap="none" spc="0" normalizeH="0" baseline="0" noProof="0">
+              <a:ln>
+                <a:noFill/>
+              </a:ln>
+              <a:solidFill>
+                <a:prstClr val="white"/>
+              </a:solidFill>
+              <a:effectLst/>
+              <a:uLnTx/>
+              <a:uFillTx/>
+              <a:latin typeface="Calibri" panose="020F0502020204030204"/>
+              <a:ea typeface="+mn-ea"/>
+              <a:cs typeface="+mn-cs"/>
+            </a:endParaRPr>
+          </a:p>
+        </p:txBody>
+      </p:sp>
       <p:sp>
         <p:nvSpPr>
           <p:cNvPr id="2" name="Title 1">
@@ -3979,78 +5785,82 @@
             <p:ph type="title"/>
           </p:nvPr>
         </p:nvSpPr>
-        <p:spPr/>
-        <p:txBody>
-          <a:bodyPr/>
-          <a:lstStyle/>
-          <a:p>
-            <a:r>
-              <a:rPr lang="en-AU" dirty="0"/>
+        <p:spPr>
+          <a:xfrm>
+            <a:off x="542544" y="4754880"/>
+            <a:ext cx="11137392" cy="932688"/>
+          </a:xfrm>
+        </p:spPr>
+        <p:txBody>
+          <a:bodyPr vert="horz" lIns="91440" tIns="45720" rIns="91440" bIns="45720" rtlCol="0" anchor="b">
+            <a:normAutofit/>
+          </a:bodyPr>
+          <a:lstStyle/>
+          <a:p>
+            <a:pPr algn="ctr"/>
+            <a:r>
+              <a:rPr lang="en-US" sz="6000" dirty="0">
+                <a:solidFill>
+                  <a:schemeClr val="bg1"/>
+                </a:solidFill>
+              </a:rPr>
               <a:t>Demo</a:t>
             </a:r>
           </a:p>
         </p:txBody>
       </p:sp>
-      <p:sp>
-        <p:nvSpPr>
-          <p:cNvPr id="3" name="Content Placeholder 2">
-            <a:extLst>
-              <a:ext uri="{FF2B5EF4-FFF2-40B4-BE49-F238E27FC236}">
-                <a16:creationId xmlns:a16="http://schemas.microsoft.com/office/drawing/2014/main" id="{75C7ADA0-2778-4223-B082-53C3502C60C9}"/>
-              </a:ext>
-            </a:extLst>
-          </p:cNvPr>
-          <p:cNvSpPr>
-            <a:spLocks noGrp="1"/>
-          </p:cNvSpPr>
-          <p:nvPr>
-            <p:ph idx="1"/>
-          </p:nvPr>
-        </p:nvSpPr>
-        <p:spPr/>
-        <p:txBody>
-          <a:bodyPr/>
-          <a:lstStyle/>
-          <a:p>
-            <a:r>
-              <a:rPr lang="en-AU" dirty="0"/>
-              <a:t>For each chart explain:</a:t>
-            </a:r>
-          </a:p>
-          <a:p>
-            <a:pPr lvl="1"/>
-            <a:r>
-              <a:rPr lang="en-AU" dirty="0"/>
-              <a:t>Type of chart</a:t>
-            </a:r>
-          </a:p>
-          <a:p>
-            <a:pPr lvl="1"/>
-            <a:r>
-              <a:rPr lang="en-AU" dirty="0"/>
-              <a:t>Why we chose it</a:t>
-            </a:r>
-          </a:p>
-          <a:p>
-            <a:pPr lvl="1"/>
-            <a:r>
-              <a:rPr lang="en-AU" dirty="0"/>
-              <a:t>Any limitations in the data used</a:t>
-            </a:r>
-          </a:p>
-          <a:p>
-            <a:pPr lvl="1"/>
-            <a:r>
-              <a:rPr lang="en-AU" dirty="0"/>
-              <a:t>Trend observed</a:t>
-            </a:r>
-          </a:p>
-          <a:p>
-            <a:pPr lvl="1"/>
-            <a:endParaRPr lang="en-AU" dirty="0"/>
-          </a:p>
-        </p:txBody>
-      </p:sp>
+      <p:cxnSp>
+        <p:nvCxnSpPr>
+          <p:cNvPr id="19" name="Straight Connector 18">
+            <a:extLst>
+              <a:ext uri="{FF2B5EF4-FFF2-40B4-BE49-F238E27FC236}">
+                <a16:creationId xmlns:a16="http://schemas.microsoft.com/office/drawing/2014/main" id="{6A810F53-4CAC-492E-A2F9-C147AA509B57}"/>
+              </a:ext>
+              <a:ext uri="{C183D7F6-B498-43B3-948B-1728B52AA6E4}">
+                <adec:decorative xmlns:adec="http://schemas.microsoft.com/office/drawing/2017/decorative" val="1"/>
+              </a:ext>
+            </a:extLst>
+          </p:cNvPr>
+          <p:cNvCxnSpPr>
+            <a:cxnSpLocks noGrp="1" noRot="1" noChangeAspect="1" noMove="1" noResize="1" noEditPoints="1" noAdjustHandles="1" noChangeArrowheads="1" noChangeShapeType="1"/>
+          </p:cNvCxnSpPr>
+          <p:nvPr>
+            <p:extLst>
+              <p:ext uri="{386F3935-93C4-4BCD-93E2-E3B085C9AB24}">
+                <p16:designElem xmlns:p16="http://schemas.microsoft.com/office/powerpoint/2015/main" val="1"/>
+              </p:ext>
+            </p:extLst>
+          </p:nvPr>
+        </p:nvCxnSpPr>
+        <p:spPr>
+          <a:xfrm>
+            <a:off x="2209800" y="5742432"/>
+            <a:ext cx="7772400" cy="0"/>
+          </a:xfrm>
+          <a:prstGeom prst="line">
+            <a:avLst/>
+          </a:prstGeom>
+          <a:ln w="22225">
+            <a:solidFill>
+              <a:srgbClr val="D9D9D9"/>
+            </a:solidFill>
+          </a:ln>
+        </p:spPr>
+        <p:style>
+          <a:lnRef idx="1">
+            <a:schemeClr val="accent1"/>
+          </a:lnRef>
+          <a:fillRef idx="0">
+            <a:schemeClr val="accent1"/>
+          </a:fillRef>
+          <a:effectRef idx="0">
+            <a:schemeClr val="accent1"/>
+          </a:effectRef>
+          <a:fontRef idx="minor">
+            <a:schemeClr val="tx1"/>
+          </a:fontRef>
+        </p:style>
+      </p:cxnSp>
     </p:spTree>
     <p:extLst>
       <p:ext uri="{BB962C8B-B14F-4D97-AF65-F5344CB8AC3E}">
@@ -4067,6 +5877,14 @@
 <file path=ppt/slides/slide7.xml><?xml version="1.0" encoding="utf-8"?>
 <p:sld xmlns:a="http://schemas.openxmlformats.org/drawingml/2006/main" xmlns:r="http://schemas.openxmlformats.org/officeDocument/2006/relationships" xmlns:p="http://schemas.openxmlformats.org/presentationml/2006/main">
   <p:cSld>
+    <p:bg>
+      <p:bgPr>
+        <a:solidFill>
+          <a:schemeClr val="bg1"/>
+        </a:solidFill>
+        <a:effectLst/>
+      </p:bgPr>
+    </p:bg>
     <p:spTree>
       <p:nvGrpSpPr>
         <p:cNvPr id="1" name=""/>
@@ -4083,6 +5901,72 @@
       </p:grpSpPr>
       <p:sp>
         <p:nvSpPr>
+          <p:cNvPr id="22" name="Rectangle 17">
+            <a:extLst>
+              <a:ext uri="{FF2B5EF4-FFF2-40B4-BE49-F238E27FC236}">
+                <a16:creationId xmlns:a16="http://schemas.microsoft.com/office/drawing/2014/main" id="{7F7D7B8D-EF99-4CA1-AB1E-4C0C047409F5}"/>
+              </a:ext>
+              <a:ext uri="{C183D7F6-B498-43B3-948B-1728B52AA6E4}">
+                <adec:decorative xmlns:adec="http://schemas.microsoft.com/office/drawing/2017/decorative" val="1"/>
+              </a:ext>
+            </a:extLst>
+          </p:cNvPr>
+          <p:cNvSpPr>
+            <a:spLocks noGrp="1" noRot="1" noChangeAspect="1" noMove="1" noResize="1" noEditPoints="1" noAdjustHandles="1" noChangeArrowheads="1" noChangeShapeType="1" noTextEdit="1"/>
+          </p:cNvSpPr>
+          <p:nvPr>
+            <p:extLst>
+              <p:ext uri="{386F3935-93C4-4BCD-93E2-E3B085C9AB24}">
+                <p16:designElem xmlns:p16="http://schemas.microsoft.com/office/powerpoint/2015/main" val="1"/>
+              </p:ext>
+            </p:extLst>
+          </p:nvPr>
+        </p:nvSpPr>
+        <p:spPr bwMode="white">
+          <a:xfrm>
+            <a:off x="0" y="2917370"/>
+            <a:ext cx="12191999" cy="3940629"/>
+          </a:xfrm>
+          <a:prstGeom prst="rect">
+            <a:avLst/>
+          </a:prstGeom>
+          <a:solidFill>
+            <a:schemeClr val="tx1">
+              <a:lumMod val="75000"/>
+              <a:lumOff val="25000"/>
+            </a:schemeClr>
+          </a:solidFill>
+          <a:ln>
+            <a:noFill/>
+          </a:ln>
+        </p:spPr>
+        <p:style>
+          <a:lnRef idx="2">
+            <a:schemeClr val="accent1">
+              <a:shade val="50000"/>
+            </a:schemeClr>
+          </a:lnRef>
+          <a:fillRef idx="1">
+            <a:schemeClr val="accent1"/>
+          </a:fillRef>
+          <a:effectRef idx="0">
+            <a:schemeClr val="accent1"/>
+          </a:effectRef>
+          <a:fontRef idx="minor">
+            <a:schemeClr val="lt1"/>
+          </a:fontRef>
+        </p:style>
+        <p:txBody>
+          <a:bodyPr rtlCol="0" anchor="ctr"/>
+          <a:lstStyle/>
+          <a:p>
+            <a:pPr algn="ctr"/>
+            <a:endParaRPr lang="en-US"/>
+          </a:p>
+        </p:txBody>
+      </p:sp>
+      <p:sp>
+        <p:nvSpPr>
           <p:cNvPr id="2" name="Title 1">
             <a:extLst>
               <a:ext uri="{FF2B5EF4-FFF2-40B4-BE49-F238E27FC236}">
@@ -4097,13 +5981,26 @@
             <p:ph type="title"/>
           </p:nvPr>
         </p:nvSpPr>
-        <p:spPr/>
-        <p:txBody>
-          <a:bodyPr/>
-          <a:lstStyle/>
-          <a:p>
-            <a:r>
-              <a:rPr lang="en-AU" dirty="0"/>
+        <p:spPr>
+          <a:xfrm>
+            <a:off x="650449" y="4559523"/>
+            <a:ext cx="10901471" cy="1236440"/>
+          </a:xfrm>
+          <a:noFill/>
+        </p:spPr>
+        <p:txBody>
+          <a:bodyPr vert="horz" lIns="91440" tIns="45720" rIns="91440" bIns="45720" rtlCol="0" anchor="b">
+            <a:normAutofit/>
+          </a:bodyPr>
+          <a:lstStyle/>
+          <a:p>
+            <a:pPr algn="ctr"/>
+            <a:r>
+              <a:rPr lang="en-US" sz="6000">
+                <a:solidFill>
+                  <a:schemeClr val="bg1"/>
+                </a:solidFill>
+              </a:rPr>
               <a:t>Prediction for 2018</a:t>
             </a:r>
           </a:p>
@@ -4125,18 +6022,68 @@
             <p:ph idx="1"/>
           </p:nvPr>
         </p:nvSpPr>
-        <p:spPr/>
-        <p:txBody>
-          <a:bodyPr/>
-          <a:lstStyle/>
-          <a:p>
-            <a:r>
-              <a:rPr lang="en-AU" dirty="0"/>
+        <p:spPr>
+          <a:xfrm>
+            <a:off x="650449" y="5795963"/>
+            <a:ext cx="10901471" cy="560388"/>
+          </a:xfrm>
+          <a:noFill/>
+        </p:spPr>
+        <p:txBody>
+          <a:bodyPr vert="horz" lIns="91440" tIns="45720" rIns="91440" bIns="45720" rtlCol="0">
+            <a:normAutofit/>
+          </a:bodyPr>
+          <a:lstStyle/>
+          <a:p>
+            <a:pPr marL="0" indent="0" algn="ctr">
+              <a:buNone/>
+            </a:pPr>
+            <a:r>
+              <a:rPr lang="en-US" sz="2200">
+                <a:solidFill>
+                  <a:schemeClr val="bg1"/>
+                </a:solidFill>
+              </a:rPr>
               <a:t>Using the charts and predicted trends, how did they compare with the actual results for 2018?</a:t>
             </a:r>
           </a:p>
         </p:txBody>
       </p:sp>
+      <p:pic>
+        <p:nvPicPr>
+          <p:cNvPr id="5" name="Picture 4" descr="A picture containing text, stadium&#10;&#10;Description automatically generated">
+            <a:extLst>
+              <a:ext uri="{FF2B5EF4-FFF2-40B4-BE49-F238E27FC236}">
+                <a16:creationId xmlns:a16="http://schemas.microsoft.com/office/drawing/2014/main" id="{71638F82-85AE-4DCD-B5F1-45D171DC2536}"/>
+              </a:ext>
+            </a:extLst>
+          </p:cNvPr>
+          <p:cNvPicPr>
+            <a:picLocks noChangeAspect="1"/>
+          </p:cNvPicPr>
+          <p:nvPr/>
+        </p:nvPicPr>
+        <p:blipFill rotWithShape="1">
+          <a:blip r:embed="rId2">
+            <a:extLst>
+              <a:ext uri="{28A0092B-C50C-407E-A947-70E740481C1C}">
+                <a14:useLocalDpi xmlns:a14="http://schemas.microsoft.com/office/drawing/2010/main" val="0"/>
+              </a:ext>
+            </a:extLst>
+          </a:blip>
+          <a:srcRect t="19329" b="4248"/>
+          <a:stretch/>
+        </p:blipFill>
+        <p:spPr>
+          <a:xfrm>
+            <a:off x="20" y="1"/>
+            <a:ext cx="12191979" cy="4239482"/>
+          </a:xfrm>
+          <a:prstGeom prst="rect">
+            <a:avLst/>
+          </a:prstGeom>
+        </p:spPr>
+      </p:pic>
     </p:spTree>
     <p:extLst>
       <p:ext uri="{BB962C8B-B14F-4D97-AF65-F5344CB8AC3E}">
@@ -4147,12 +6094,153 @@
   <p:clrMapOvr>
     <a:masterClrMapping/>
   </p:clrMapOvr>
+  <p:timing>
+    <p:tnLst>
+      <p:par>
+        <p:cTn id="1" dur="indefinite" restart="never" nodeType="tmRoot">
+          <p:childTnLst>
+            <p:seq concurrent="1" nextAc="seek">
+              <p:cTn id="2" dur="indefinite" nodeType="mainSeq">
+                <p:childTnLst>
+                  <p:par>
+                    <p:cTn id="3" fill="hold">
+                      <p:stCondLst>
+                        <p:cond delay="indefinite"/>
+                        <p:cond evt="onBegin" delay="0">
+                          <p:tn val="2"/>
+                        </p:cond>
+                      </p:stCondLst>
+                      <p:childTnLst>
+                        <p:par>
+                          <p:cTn id="4" fill="hold">
+                            <p:stCondLst>
+                              <p:cond delay="0"/>
+                            </p:stCondLst>
+                            <p:childTnLst>
+                              <p:par>
+                                <p:cTn id="5" presetID="10" presetClass="entr" presetSubtype="0" fill="hold" nodeType="withEffect">
+                                  <p:stCondLst>
+                                    <p:cond delay="0"/>
+                                  </p:stCondLst>
+                                  <p:iterate>
+                                    <p:tmPct val="10000"/>
+                                  </p:iterate>
+                                  <p:childTnLst>
+                                    <p:set>
+                                      <p:cBhvr>
+                                        <p:cTn id="6" dur="1" fill="hold">
+                                          <p:stCondLst>
+                                            <p:cond delay="0"/>
+                                          </p:stCondLst>
+                                        </p:cTn>
+                                        <p:tgtEl>
+                                          <p:spTgt spid="5"/>
+                                        </p:tgtEl>
+                                        <p:attrNameLst>
+                                          <p:attrName>style.visibility</p:attrName>
+                                        </p:attrNameLst>
+                                      </p:cBhvr>
+                                      <p:to>
+                                        <p:strVal val="visible"/>
+                                      </p:to>
+                                    </p:set>
+                                    <p:animEffect transition="in" filter="fade">
+                                      <p:cBhvr>
+                                        <p:cTn id="7" dur="700"/>
+                                        <p:tgtEl>
+                                          <p:spTgt spid="5"/>
+                                        </p:tgtEl>
+                                      </p:cBhvr>
+                                    </p:animEffect>
+                                  </p:childTnLst>
+                                </p:cTn>
+                              </p:par>
+                              <p:par>
+                                <p:cTn id="8" presetID="10" presetClass="entr" presetSubtype="0" fill="hold" grpId="0" nodeType="withEffect">
+                                  <p:stCondLst>
+                                    <p:cond delay="1000"/>
+                                  </p:stCondLst>
+                                  <p:iterate type="lt">
+                                    <p:tmPct val="10000"/>
+                                  </p:iterate>
+                                  <p:childTnLst>
+                                    <p:set>
+                                      <p:cBhvr>
+                                        <p:cTn id="9" dur="1" fill="hold">
+                                          <p:stCondLst>
+                                            <p:cond delay="0"/>
+                                          </p:stCondLst>
+                                        </p:cTn>
+                                        <p:tgtEl>
+                                          <p:spTgt spid="2"/>
+                                        </p:tgtEl>
+                                        <p:attrNameLst>
+                                          <p:attrName>style.visibility</p:attrName>
+                                        </p:attrNameLst>
+                                      </p:cBhvr>
+                                      <p:to>
+                                        <p:strVal val="visible"/>
+                                      </p:to>
+                                    </p:set>
+                                    <p:animEffect transition="in" filter="fade">
+                                      <p:cBhvr>
+                                        <p:cTn id="10" dur="400"/>
+                                        <p:tgtEl>
+                                          <p:spTgt spid="2"/>
+                                        </p:tgtEl>
+                                      </p:cBhvr>
+                                    </p:animEffect>
+                                  </p:childTnLst>
+                                </p:cTn>
+                              </p:par>
+                            </p:childTnLst>
+                          </p:cTn>
+                        </p:par>
+                      </p:childTnLst>
+                    </p:cTn>
+                  </p:par>
+                </p:childTnLst>
+              </p:cTn>
+              <p:prevCondLst>
+                <p:cond evt="onPrev" delay="0">
+                  <p:tgtEl>
+                    <p:sldTgt/>
+                  </p:tgtEl>
+                </p:cond>
+              </p:prevCondLst>
+              <p:nextCondLst>
+                <p:cond evt="onNext" delay="0">
+                  <p:tgtEl>
+                    <p:sldTgt/>
+                  </p:tgtEl>
+                </p:cond>
+              </p:nextCondLst>
+            </p:seq>
+          </p:childTnLst>
+        </p:cTn>
+      </p:par>
+    </p:tnLst>
+    <p:bldLst>
+      <p:bldP spid="2" grpId="0"/>
+    </p:bldLst>
+  </p:timing>
 </p:sld>
 </file>
 
 <file path=ppt/slides/slide8.xml><?xml version="1.0" encoding="utf-8"?>
 <p:sld xmlns:a="http://schemas.openxmlformats.org/drawingml/2006/main" xmlns:r="http://schemas.openxmlformats.org/officeDocument/2006/relationships" xmlns:p="http://schemas.openxmlformats.org/presentationml/2006/main">
   <p:cSld>
+    <p:bg>
+      <p:bgPr>
+        <a:solidFill>
+          <a:schemeClr val="bg1">
+            <a:tint val="95000"/>
+            <a:satMod val="170000"/>
+          </a:schemeClr>
+        </a:solidFill>
+        <a:effectLst/>
+      </p:bgPr>
+    </p:bg>
     <p:spTree>
       <p:nvGrpSpPr>
         <p:cNvPr id="1" name=""/>
@@ -4183,9 +6271,16 @@
             <p:ph type="title"/>
           </p:nvPr>
         </p:nvSpPr>
-        <p:spPr/>
-        <p:txBody>
-          <a:bodyPr/>
+        <p:spPr>
+          <a:xfrm>
+            <a:off x="762001" y="803325"/>
+            <a:ext cx="5314536" cy="1325563"/>
+          </a:xfrm>
+        </p:spPr>
+        <p:txBody>
+          <a:bodyPr>
+            <a:normAutofit/>
+          </a:bodyPr>
           <a:lstStyle/>
           <a:p>
             <a:r>
@@ -4213,33 +6308,273 @@
         </p:nvSpPr>
         <p:spPr>
           <a:xfrm>
-            <a:off x="838200" y="1889125"/>
-            <a:ext cx="10515600" cy="4351338"/>
+            <a:off x="762000" y="2279018"/>
+            <a:ext cx="5314543" cy="3375920"/>
           </a:xfrm>
         </p:spPr>
         <p:txBody>
-          <a:bodyPr/>
-          <a:lstStyle/>
-          <a:p>
-            <a:r>
-              <a:rPr lang="en-AU" dirty="0"/>
+          <a:bodyPr anchor="t">
+            <a:normAutofit/>
+          </a:bodyPr>
+          <a:lstStyle/>
+          <a:p>
+            <a:r>
+              <a:rPr lang="en-AU" sz="2400" dirty="0"/>
               <a:t>Experience/rotation of players in team</a:t>
             </a:r>
           </a:p>
           <a:p>
             <a:r>
-              <a:rPr lang="en-AU" dirty="0"/>
+              <a:rPr lang="en-AU" sz="2400" dirty="0"/>
               <a:t>Player profile statistics </a:t>
             </a:r>
           </a:p>
           <a:p>
             <a:r>
-              <a:rPr lang="en-AU" dirty="0"/>
+              <a:rPr lang="en-AU" sz="2400" dirty="0"/>
               <a:t>Affects of corruption, gambling, salary and match fixing</a:t>
             </a:r>
           </a:p>
         </p:txBody>
       </p:sp>
+      <p:sp>
+        <p:nvSpPr>
+          <p:cNvPr id="10" name="Freeform: Shape 9">
+            <a:extLst>
+              <a:ext uri="{FF2B5EF4-FFF2-40B4-BE49-F238E27FC236}">
+                <a16:creationId xmlns:a16="http://schemas.microsoft.com/office/drawing/2014/main" id="{CF62D2A7-8207-488C-9F46-316BA81A16C8}"/>
+              </a:ext>
+              <a:ext uri="{C183D7F6-B498-43B3-948B-1728B52AA6E4}">
+                <adec:decorative xmlns:adec="http://schemas.microsoft.com/office/drawing/2017/decorative" val="1"/>
+              </a:ext>
+            </a:extLst>
+          </p:cNvPr>
+          <p:cNvSpPr>
+            <a:spLocks noGrp="1" noRot="1" noChangeAspect="1" noMove="1" noResize="1" noEditPoints="1" noAdjustHandles="1" noChangeArrowheads="1" noChangeShapeType="1" noTextEdit="1"/>
+          </p:cNvSpPr>
+          <p:nvPr>
+            <p:extLst>
+              <p:ext uri="{386F3935-93C4-4BCD-93E2-E3B085C9AB24}">
+                <p16:designElem xmlns:p16="http://schemas.microsoft.com/office/powerpoint/2015/main" val="1"/>
+              </p:ext>
+            </p:extLst>
+          </p:nvPr>
+        </p:nvSpPr>
+        <p:spPr>
+          <a:xfrm flipH="1">
+            <a:off x="6582780" y="-2008"/>
+            <a:ext cx="5609220" cy="5840278"/>
+          </a:xfrm>
+          <a:custGeom>
+            <a:avLst/>
+            <a:gdLst>
+              <a:gd name="connsiteX0" fmla="*/ 0 w 5609220"/>
+              <a:gd name="connsiteY0" fmla="*/ 0 h 5840278"/>
+              <a:gd name="connsiteX1" fmla="*/ 4637091 w 5609220"/>
+              <a:gd name="connsiteY1" fmla="*/ 0 h 5840278"/>
+              <a:gd name="connsiteX2" fmla="*/ 4822569 w 5609220"/>
+              <a:gd name="connsiteY2" fmla="*/ 204077 h 5840278"/>
+              <a:gd name="connsiteX3" fmla="*/ 5609220 w 5609220"/>
+              <a:gd name="connsiteY3" fmla="*/ 2395363 h 5840278"/>
+              <a:gd name="connsiteX4" fmla="*/ 2164305 w 5609220"/>
+              <a:gd name="connsiteY4" fmla="*/ 5840278 h 5840278"/>
+              <a:gd name="connsiteX5" fmla="*/ 238220 w 5609220"/>
+              <a:gd name="connsiteY5" fmla="*/ 5251941 h 5840278"/>
+              <a:gd name="connsiteX6" fmla="*/ 0 w 5609220"/>
+              <a:gd name="connsiteY6" fmla="*/ 5073803 h 5840278"/>
+            </a:gdLst>
+            <a:ahLst/>
+            <a:cxnLst>
+              <a:cxn ang="0">
+                <a:pos x="connsiteX0" y="connsiteY0"/>
+              </a:cxn>
+              <a:cxn ang="0">
+                <a:pos x="connsiteX1" y="connsiteY1"/>
+              </a:cxn>
+              <a:cxn ang="0">
+                <a:pos x="connsiteX2" y="connsiteY2"/>
+              </a:cxn>
+              <a:cxn ang="0">
+                <a:pos x="connsiteX3" y="connsiteY3"/>
+              </a:cxn>
+              <a:cxn ang="0">
+                <a:pos x="connsiteX4" y="connsiteY4"/>
+              </a:cxn>
+              <a:cxn ang="0">
+                <a:pos x="connsiteX5" y="connsiteY5"/>
+              </a:cxn>
+              <a:cxn ang="0">
+                <a:pos x="connsiteX6" y="connsiteY6"/>
+              </a:cxn>
+            </a:cxnLst>
+            <a:rect l="l" t="t" r="r" b="b"/>
+            <a:pathLst>
+              <a:path w="5609220" h="5840278">
+                <a:moveTo>
+                  <a:pt x="0" y="0"/>
+                </a:moveTo>
+                <a:lnTo>
+                  <a:pt x="4637091" y="0"/>
+                </a:lnTo>
+                <a:lnTo>
+                  <a:pt x="4822569" y="204077"/>
+                </a:lnTo>
+                <a:cubicBezTo>
+                  <a:pt x="5314007" y="799562"/>
+                  <a:pt x="5609220" y="1562987"/>
+                  <a:pt x="5609220" y="2395363"/>
+                </a:cubicBezTo>
+                <a:cubicBezTo>
+                  <a:pt x="5609220" y="4297937"/>
+                  <a:pt x="4066879" y="5840278"/>
+                  <a:pt x="2164305" y="5840278"/>
+                </a:cubicBezTo>
+                <a:cubicBezTo>
+                  <a:pt x="1450840" y="5840278"/>
+                  <a:pt x="788032" y="5623387"/>
+                  <a:pt x="238220" y="5251941"/>
+                </a:cubicBezTo>
+                <a:lnTo>
+                  <a:pt x="0" y="5073803"/>
+                </a:lnTo>
+                <a:close/>
+              </a:path>
+            </a:pathLst>
+          </a:custGeom>
+          <a:solidFill>
+            <a:srgbClr val="FFFFFF">
+              <a:alpha val="80000"/>
+            </a:srgbClr>
+          </a:solidFill>
+          <a:ln>
+            <a:noFill/>
+          </a:ln>
+        </p:spPr>
+        <p:style>
+          <a:lnRef idx="2">
+            <a:schemeClr val="accent1">
+              <a:shade val="50000"/>
+            </a:schemeClr>
+          </a:lnRef>
+          <a:fillRef idx="1">
+            <a:schemeClr val="accent1"/>
+          </a:fillRef>
+          <a:effectRef idx="0">
+            <a:schemeClr val="accent1"/>
+          </a:effectRef>
+          <a:fontRef idx="minor">
+            <a:schemeClr val="lt1"/>
+          </a:fontRef>
+        </p:style>
+        <p:txBody>
+          <a:bodyPr rtlCol="0" anchor="ctr"/>
+          <a:lstStyle/>
+          <a:p>
+            <a:pPr marL="0" marR="0" lvl="0" indent="0" algn="ctr" defTabSz="914400" rtl="0" eaLnBrk="1" fontAlgn="auto" latinLnBrk="0" hangingPunct="1">
+              <a:lnSpc>
+                <a:spcPct val="100000"/>
+              </a:lnSpc>
+              <a:spcBef>
+                <a:spcPts val="0"/>
+              </a:spcBef>
+              <a:spcAft>
+                <a:spcPts val="0"/>
+              </a:spcAft>
+              <a:buClrTx/>
+              <a:buSzTx/>
+              <a:buFontTx/>
+              <a:buNone/>
+              <a:tabLst/>
+              <a:defRPr/>
+            </a:pPr>
+            <a:endParaRPr kumimoji="0" lang="en-US" sz="1800" b="0" i="0" u="none" strike="noStrike" kern="1200" cap="none" spc="0" normalizeH="0" baseline="0" noProof="0">
+              <a:ln>
+                <a:noFill/>
+              </a:ln>
+              <a:solidFill>
+                <a:prstClr val="white"/>
+              </a:solidFill>
+              <a:effectLst/>
+              <a:uLnTx/>
+              <a:uFillTx/>
+              <a:latin typeface="Calibri" panose="020F0502020204030204"/>
+              <a:ea typeface="+mn-ea"/>
+              <a:cs typeface="+mn-cs"/>
+            </a:endParaRPr>
+          </a:p>
+        </p:txBody>
+      </p:sp>
+      <p:pic>
+        <p:nvPicPr>
+          <p:cNvPr id="5" name="Picture 4" descr="A picture containing logo&#10;&#10;Description automatically generated">
+            <a:extLst>
+              <a:ext uri="{FF2B5EF4-FFF2-40B4-BE49-F238E27FC236}">
+                <a16:creationId xmlns:a16="http://schemas.microsoft.com/office/drawing/2014/main" id="{1FDB7AC2-ED87-408F-B907-5E9AFBDEF79A}"/>
+              </a:ext>
+            </a:extLst>
+          </p:cNvPr>
+          <p:cNvPicPr>
+            <a:picLocks noChangeAspect="1"/>
+          </p:cNvPicPr>
+          <p:nvPr/>
+        </p:nvPicPr>
+        <p:blipFill rotWithShape="1">
+          <a:blip r:embed="rId2">
+            <a:extLst>
+              <a:ext uri="{28A0092B-C50C-407E-A947-70E740481C1C}">
+                <a14:useLocalDpi xmlns:a14="http://schemas.microsoft.com/office/drawing/2010/main" val="0"/>
+              </a:ext>
+            </a:extLst>
+          </a:blip>
+          <a:srcRect l="16081" r="19924" b="-1"/>
+          <a:stretch/>
+        </p:blipFill>
+        <p:spPr>
+          <a:xfrm>
+            <a:off x="6750141" y="-2"/>
+            <a:ext cx="5441859" cy="5654940"/>
+          </a:xfrm>
+          <a:custGeom>
+            <a:avLst/>
+            <a:gdLst/>
+            <a:ahLst/>
+            <a:cxnLst/>
+            <a:rect l="l" t="t" r="r" b="b"/>
+            <a:pathLst>
+              <a:path w="5441859" h="5654940">
+                <a:moveTo>
+                  <a:pt x="1041368" y="0"/>
+                </a:moveTo>
+                <a:lnTo>
+                  <a:pt x="5441859" y="0"/>
+                </a:lnTo>
+                <a:lnTo>
+                  <a:pt x="5441859" y="4820612"/>
+                </a:lnTo>
+                <a:lnTo>
+                  <a:pt x="5285166" y="4957981"/>
+                </a:lnTo>
+                <a:cubicBezTo>
+                  <a:pt x="4729628" y="5394557"/>
+                  <a:pt x="4029081" y="5654940"/>
+                  <a:pt x="3267719" y="5654940"/>
+                </a:cubicBezTo>
+                <a:cubicBezTo>
+                  <a:pt x="1463008" y="5654940"/>
+                  <a:pt x="0" y="4191932"/>
+                  <a:pt x="0" y="2387221"/>
+                </a:cubicBezTo>
+                <a:cubicBezTo>
+                  <a:pt x="0" y="1484866"/>
+                  <a:pt x="365752" y="667936"/>
+                  <a:pt x="957093" y="76595"/>
+                </a:cubicBezTo>
+                <a:close/>
+              </a:path>
+            </a:pathLst>
+          </a:custGeom>
+        </p:spPr>
+      </p:pic>
     </p:spTree>
     <p:extLst>
       <p:ext uri="{BB962C8B-B14F-4D97-AF65-F5344CB8AC3E}">
@@ -4248,7 +6583,7 @@
     </p:extLst>
   </p:cSld>
   <p:clrMapOvr>
-    <a:masterClrMapping/>
+    <a:overrideClrMapping bg1="dk1" tx1="lt1" bg2="dk2" tx2="lt2" accent1="accent1" accent2="accent2" accent3="accent3" accent4="accent4" accent5="accent5" accent6="accent6" hlink="hlink" folHlink="folHlink"/>
   </p:clrMapOvr>
 </p:sld>
 </file>
@@ -4256,6 +6591,14 @@
 <file path=ppt/slides/slide9.xml><?xml version="1.0" encoding="utf-8"?>
 <p:sld xmlns:a="http://schemas.openxmlformats.org/drawingml/2006/main" xmlns:r="http://schemas.openxmlformats.org/officeDocument/2006/relationships" xmlns:p="http://schemas.openxmlformats.org/presentationml/2006/main">
   <p:cSld>
+    <p:bg>
+      <p:bgPr>
+        <a:solidFill>
+          <a:schemeClr val="bg1"/>
+        </a:solidFill>
+        <a:effectLst/>
+      </p:bgPr>
+    </p:bg>
     <p:spTree>
       <p:nvGrpSpPr>
         <p:cNvPr id="1" name=""/>
@@ -4270,6 +6613,169 @@
           <a:chExt cx="0" cy="0"/>
         </a:xfrm>
       </p:grpSpPr>
+      <p:pic>
+        <p:nvPicPr>
+          <p:cNvPr id="9" name="Picture 8" descr="A picture containing person, doll&#10;&#10;Description automatically generated">
+            <a:extLst>
+              <a:ext uri="{FF2B5EF4-FFF2-40B4-BE49-F238E27FC236}">
+                <a16:creationId xmlns:a16="http://schemas.microsoft.com/office/drawing/2014/main" id="{C31263FD-FABC-4CF6-ABE2-568F477DA734}"/>
+              </a:ext>
+            </a:extLst>
+          </p:cNvPr>
+          <p:cNvPicPr>
+            <a:picLocks noChangeAspect="1"/>
+          </p:cNvPicPr>
+          <p:nvPr/>
+        </p:nvPicPr>
+        <p:blipFill rotWithShape="1">
+          <a:blip r:embed="rId2">
+            <a:extLst>
+              <a:ext uri="{28A0092B-C50C-407E-A947-70E740481C1C}">
+                <a14:useLocalDpi xmlns:a14="http://schemas.microsoft.com/office/drawing/2010/main" val="0"/>
+              </a:ext>
+            </a:extLst>
+          </a:blip>
+          <a:srcRect t="442"/>
+          <a:stretch/>
+        </p:blipFill>
+        <p:spPr>
+          <a:xfrm>
+            <a:off x="20" y="10"/>
+            <a:ext cx="12191980" cy="6857990"/>
+          </a:xfrm>
+          <a:prstGeom prst="rect">
+            <a:avLst/>
+          </a:prstGeom>
+        </p:spPr>
+      </p:pic>
+      <p:sp>
+        <p:nvSpPr>
+          <p:cNvPr id="17" name="Freeform: Shape 16">
+            <a:extLst>
+              <a:ext uri="{FF2B5EF4-FFF2-40B4-BE49-F238E27FC236}">
+                <a16:creationId xmlns:a16="http://schemas.microsoft.com/office/drawing/2014/main" id="{6B3BAD04-E614-4C16-8360-019FCF0045AC}"/>
+              </a:ext>
+              <a:ext uri="{C183D7F6-B498-43B3-948B-1728B52AA6E4}">
+                <adec:decorative xmlns:adec="http://schemas.microsoft.com/office/drawing/2017/decorative" val="1"/>
+              </a:ext>
+            </a:extLst>
+          </p:cNvPr>
+          <p:cNvSpPr>
+            <a:spLocks noGrp="1" noRot="1" noChangeAspect="1" noMove="1" noResize="1" noEditPoints="1" noAdjustHandles="1" noChangeArrowheads="1" noChangeShapeType="1" noTextEdit="1"/>
+          </p:cNvSpPr>
+          <p:nvPr>
+            <p:extLst>
+              <p:ext uri="{386F3935-93C4-4BCD-93E2-E3B085C9AB24}">
+                <p16:designElem xmlns:p16="http://schemas.microsoft.com/office/powerpoint/2015/main" val="1"/>
+              </p:ext>
+            </p:extLst>
+          </p:nvPr>
+        </p:nvSpPr>
+        <p:spPr>
+          <a:xfrm>
+            <a:off x="0" y="4023809"/>
+            <a:ext cx="11016943" cy="2262375"/>
+          </a:xfrm>
+          <a:custGeom>
+            <a:avLst/>
+            <a:gdLst>
+              <a:gd name="connsiteX0" fmla="*/ 0 w 11016943"/>
+              <a:gd name="connsiteY0" fmla="*/ 0 h 2262375"/>
+              <a:gd name="connsiteX1" fmla="*/ 9969166 w 11016943"/>
+              <a:gd name="connsiteY1" fmla="*/ 0 h 2262375"/>
+              <a:gd name="connsiteX2" fmla="*/ 11016943 w 11016943"/>
+              <a:gd name="connsiteY2" fmla="*/ 2262375 h 2262375"/>
+              <a:gd name="connsiteX3" fmla="*/ 4942050 w 11016943"/>
+              <a:gd name="connsiteY3" fmla="*/ 2262375 h 2262375"/>
+              <a:gd name="connsiteX4" fmla="*/ 4582160 w 11016943"/>
+              <a:gd name="connsiteY4" fmla="*/ 2262375 h 2262375"/>
+              <a:gd name="connsiteX5" fmla="*/ 0 w 11016943"/>
+              <a:gd name="connsiteY5" fmla="*/ 2262375 h 2262375"/>
+            </a:gdLst>
+            <a:ahLst/>
+            <a:cxnLst>
+              <a:cxn ang="0">
+                <a:pos x="connsiteX0" y="connsiteY0"/>
+              </a:cxn>
+              <a:cxn ang="0">
+                <a:pos x="connsiteX1" y="connsiteY1"/>
+              </a:cxn>
+              <a:cxn ang="0">
+                <a:pos x="connsiteX2" y="connsiteY2"/>
+              </a:cxn>
+              <a:cxn ang="0">
+                <a:pos x="connsiteX3" y="connsiteY3"/>
+              </a:cxn>
+              <a:cxn ang="0">
+                <a:pos x="connsiteX4" y="connsiteY4"/>
+              </a:cxn>
+              <a:cxn ang="0">
+                <a:pos x="connsiteX5" y="connsiteY5"/>
+              </a:cxn>
+            </a:cxnLst>
+            <a:rect l="l" t="t" r="r" b="b"/>
+            <a:pathLst>
+              <a:path w="11016943" h="2262375">
+                <a:moveTo>
+                  <a:pt x="0" y="0"/>
+                </a:moveTo>
+                <a:lnTo>
+                  <a:pt x="9969166" y="0"/>
+                </a:lnTo>
+                <a:lnTo>
+                  <a:pt x="11016943" y="2262375"/>
+                </a:lnTo>
+                <a:lnTo>
+                  <a:pt x="4942050" y="2262375"/>
+                </a:lnTo>
+                <a:lnTo>
+                  <a:pt x="4582160" y="2262375"/>
+                </a:lnTo>
+                <a:lnTo>
+                  <a:pt x="0" y="2262375"/>
+                </a:lnTo>
+                <a:close/>
+              </a:path>
+            </a:pathLst>
+          </a:custGeom>
+          <a:solidFill>
+            <a:schemeClr val="tx1">
+              <a:lumMod val="85000"/>
+              <a:lumOff val="15000"/>
+              <a:alpha val="88000"/>
+            </a:schemeClr>
+          </a:solidFill>
+          <a:ln>
+            <a:noFill/>
+          </a:ln>
+        </p:spPr>
+        <p:style>
+          <a:lnRef idx="2">
+            <a:schemeClr val="accent1">
+              <a:shade val="50000"/>
+            </a:schemeClr>
+          </a:lnRef>
+          <a:fillRef idx="1">
+            <a:schemeClr val="accent1"/>
+          </a:fillRef>
+          <a:effectRef idx="0">
+            <a:schemeClr val="accent1"/>
+          </a:effectRef>
+          <a:fontRef idx="minor">
+            <a:schemeClr val="lt1"/>
+          </a:fontRef>
+        </p:style>
+        <p:txBody>
+          <a:bodyPr wrap="square" rtlCol="0" anchor="ctr">
+            <a:noAutofit/>
+          </a:bodyPr>
+          <a:lstStyle/>
+          <a:p>
+            <a:pPr algn="ctr"/>
+            <a:endParaRPr lang="en-US"/>
+          </a:p>
+        </p:txBody>
+      </p:sp>
       <p:sp>
         <p:nvSpPr>
           <p:cNvPr id="2" name="Title 1">
@@ -4286,40 +6792,26 @@
             <p:ph type="title"/>
           </p:nvPr>
         </p:nvSpPr>
-        <p:spPr/>
-        <p:txBody>
-          <a:bodyPr/>
-          <a:lstStyle/>
-          <a:p>
-            <a:r>
-              <a:rPr lang="en-AU" dirty="0"/>
+        <p:spPr>
+          <a:xfrm>
+            <a:off x="841248" y="4199861"/>
+            <a:ext cx="8856059" cy="1336826"/>
+          </a:xfrm>
+        </p:spPr>
+        <p:txBody>
+          <a:bodyPr vert="horz" lIns="91440" tIns="45720" rIns="91440" bIns="45720" rtlCol="0" anchor="b">
+            <a:normAutofit/>
+          </a:bodyPr>
+          <a:lstStyle/>
+          <a:p>
+            <a:r>
+              <a:rPr lang="en-US" sz="5400">
+                <a:solidFill>
+                  <a:srgbClr val="FFFFFF"/>
+                </a:solidFill>
+              </a:rPr>
               <a:t>Questions</a:t>
             </a:r>
-          </a:p>
-        </p:txBody>
-      </p:sp>
-      <p:sp>
-        <p:nvSpPr>
-          <p:cNvPr id="3" name="Content Placeholder 2">
-            <a:extLst>
-              <a:ext uri="{FF2B5EF4-FFF2-40B4-BE49-F238E27FC236}">
-                <a16:creationId xmlns:a16="http://schemas.microsoft.com/office/drawing/2014/main" id="{14519ABE-72F9-4DAC-AC9D-663BA4A57D6D}"/>
-              </a:ext>
-            </a:extLst>
-          </p:cNvPr>
-          <p:cNvSpPr>
-            <a:spLocks noGrp="1"/>
-          </p:cNvSpPr>
-          <p:nvPr>
-            <p:ph idx="1"/>
-          </p:nvPr>
-        </p:nvSpPr>
-        <p:spPr/>
-        <p:txBody>
-          <a:bodyPr/>
-          <a:lstStyle/>
-          <a:p>
-            <a:endParaRPr lang="en-AU"/>
           </a:p>
         </p:txBody>
       </p:sp>
@@ -4333,6 +6825,98 @@
   <p:clrMapOvr>
     <a:masterClrMapping/>
   </p:clrMapOvr>
+  <p:timing>
+    <p:tnLst>
+      <p:par>
+        <p:cTn id="1" dur="indefinite" restart="never" nodeType="tmRoot">
+          <p:childTnLst>
+            <p:seq concurrent="1" nextAc="seek">
+              <p:cTn id="2" dur="indefinite" nodeType="mainSeq">
+                <p:childTnLst>
+                  <p:par>
+                    <p:cTn id="3" fill="hold">
+                      <p:stCondLst>
+                        <p:cond delay="indefinite"/>
+                        <p:cond evt="onBegin" delay="0">
+                          <p:tn val="2"/>
+                        </p:cond>
+                      </p:stCondLst>
+                      <p:childTnLst>
+                        <p:par>
+                          <p:cTn id="4" fill="hold">
+                            <p:stCondLst>
+                              <p:cond delay="0"/>
+                            </p:stCondLst>
+                            <p:childTnLst>
+                              <p:par>
+                                <p:cTn id="5" presetID="10" presetClass="entr" presetSubtype="0" fill="hold" grpId="0" nodeType="withEffect">
+                                  <p:stCondLst>
+                                    <p:cond delay="1000"/>
+                                  </p:stCondLst>
+                                  <p:iterate>
+                                    <p:tmPct val="10000"/>
+                                  </p:iterate>
+                                  <p:childTnLst>
+                                    <p:set>
+                                      <p:cBhvr>
+                                        <p:cTn id="6" dur="1" fill="hold">
+                                          <p:stCondLst>
+                                            <p:cond delay="0"/>
+                                          </p:stCondLst>
+                                        </p:cTn>
+                                        <p:tgtEl>
+                                          <p:spTgt spid="2"/>
+                                        </p:tgtEl>
+                                        <p:attrNameLst>
+                                          <p:attrName>style.visibility</p:attrName>
+                                        </p:attrNameLst>
+                                      </p:cBhvr>
+                                      <p:to>
+                                        <p:strVal val="visible"/>
+                                      </p:to>
+                                    </p:set>
+                                    <p:animEffect transition="in" filter="fade">
+                                      <p:cBhvr>
+                                        <p:cTn id="7" dur="700"/>
+                                        <p:tgtEl>
+                                          <p:spTgt spid="2"/>
+                                        </p:tgtEl>
+                                      </p:cBhvr>
+                                    </p:animEffect>
+                                  </p:childTnLst>
+                                </p:cTn>
+                              </p:par>
+                            </p:childTnLst>
+                          </p:cTn>
+                        </p:par>
+                      </p:childTnLst>
+                    </p:cTn>
+                  </p:par>
+                </p:childTnLst>
+              </p:cTn>
+              <p:prevCondLst>
+                <p:cond evt="onPrev" delay="0">
+                  <p:tgtEl>
+                    <p:sldTgt/>
+                  </p:tgtEl>
+                </p:cond>
+              </p:prevCondLst>
+              <p:nextCondLst>
+                <p:cond evt="onNext" delay="0">
+                  <p:tgtEl>
+                    <p:sldTgt/>
+                  </p:tgtEl>
+                </p:cond>
+              </p:nextCondLst>
+            </p:seq>
+          </p:childTnLst>
+        </p:cTn>
+      </p:par>
+    </p:tnLst>
+    <p:bldLst>
+      <p:bldP spid="2" grpId="0"/>
+    </p:bldLst>
+  </p:timing>
 </p:sld>
 </file>
 

--- a/FIFA World Cup Presentation.pptx
+++ b/FIFA World Cup Presentation.pptx
@@ -10,10 +10,11 @@
     <p:sldId id="258" r:id="rId4"/>
     <p:sldId id="259" r:id="rId5"/>
     <p:sldId id="260" r:id="rId6"/>
-    <p:sldId id="261" r:id="rId7"/>
-    <p:sldId id="262" r:id="rId8"/>
-    <p:sldId id="264" r:id="rId9"/>
-    <p:sldId id="263" r:id="rId10"/>
+    <p:sldId id="265" r:id="rId7"/>
+    <p:sldId id="261" r:id="rId8"/>
+    <p:sldId id="262" r:id="rId9"/>
+    <p:sldId id="264" r:id="rId10"/>
+    <p:sldId id="263" r:id="rId11"/>
   </p:sldIdLst>
   <p:sldSz cx="12192000" cy="6858000"/>
   <p:notesSz cx="6858000" cy="9144000"/>
@@ -269,7 +270,7 @@
           <a:p>
             <a:fld id="{AE4F3026-884B-443A-AB0D-A69068F63130}" type="datetimeFigureOut">
               <a:rPr lang="en-AU" smtClean="0"/>
-              <a:t>30/04/2021</a:t>
+              <a:t>1/05/2021</a:t>
             </a:fld>
             <a:endParaRPr lang="en-AU"/>
           </a:p>
@@ -469,7 +470,7 @@
           <a:p>
             <a:fld id="{AE4F3026-884B-443A-AB0D-A69068F63130}" type="datetimeFigureOut">
               <a:rPr lang="en-AU" smtClean="0"/>
-              <a:t>30/04/2021</a:t>
+              <a:t>1/05/2021</a:t>
             </a:fld>
             <a:endParaRPr lang="en-AU"/>
           </a:p>
@@ -679,7 +680,7 @@
           <a:p>
             <a:fld id="{AE4F3026-884B-443A-AB0D-A69068F63130}" type="datetimeFigureOut">
               <a:rPr lang="en-AU" smtClean="0"/>
-              <a:t>30/04/2021</a:t>
+              <a:t>1/05/2021</a:t>
             </a:fld>
             <a:endParaRPr lang="en-AU"/>
           </a:p>
@@ -879,7 +880,7 @@
           <a:p>
             <a:fld id="{AE4F3026-884B-443A-AB0D-A69068F63130}" type="datetimeFigureOut">
               <a:rPr lang="en-AU" smtClean="0"/>
-              <a:t>30/04/2021</a:t>
+              <a:t>1/05/2021</a:t>
             </a:fld>
             <a:endParaRPr lang="en-AU"/>
           </a:p>
@@ -1155,7 +1156,7 @@
           <a:p>
             <a:fld id="{AE4F3026-884B-443A-AB0D-A69068F63130}" type="datetimeFigureOut">
               <a:rPr lang="en-AU" smtClean="0"/>
-              <a:t>30/04/2021</a:t>
+              <a:t>1/05/2021</a:t>
             </a:fld>
             <a:endParaRPr lang="en-AU"/>
           </a:p>
@@ -1423,7 +1424,7 @@
           <a:p>
             <a:fld id="{AE4F3026-884B-443A-AB0D-A69068F63130}" type="datetimeFigureOut">
               <a:rPr lang="en-AU" smtClean="0"/>
-              <a:t>30/04/2021</a:t>
+              <a:t>1/05/2021</a:t>
             </a:fld>
             <a:endParaRPr lang="en-AU"/>
           </a:p>
@@ -1838,7 +1839,7 @@
           <a:p>
             <a:fld id="{AE4F3026-884B-443A-AB0D-A69068F63130}" type="datetimeFigureOut">
               <a:rPr lang="en-AU" smtClean="0"/>
-              <a:t>30/04/2021</a:t>
+              <a:t>1/05/2021</a:t>
             </a:fld>
             <a:endParaRPr lang="en-AU"/>
           </a:p>
@@ -1980,7 +1981,7 @@
           <a:p>
             <a:fld id="{AE4F3026-884B-443A-AB0D-A69068F63130}" type="datetimeFigureOut">
               <a:rPr lang="en-AU" smtClean="0"/>
-              <a:t>30/04/2021</a:t>
+              <a:t>1/05/2021</a:t>
             </a:fld>
             <a:endParaRPr lang="en-AU"/>
           </a:p>
@@ -2093,7 +2094,7 @@
           <a:p>
             <a:fld id="{AE4F3026-884B-443A-AB0D-A69068F63130}" type="datetimeFigureOut">
               <a:rPr lang="en-AU" smtClean="0"/>
-              <a:t>30/04/2021</a:t>
+              <a:t>1/05/2021</a:t>
             </a:fld>
             <a:endParaRPr lang="en-AU"/>
           </a:p>
@@ -2406,7 +2407,7 @@
           <a:p>
             <a:fld id="{AE4F3026-884B-443A-AB0D-A69068F63130}" type="datetimeFigureOut">
               <a:rPr lang="en-AU" smtClean="0"/>
-              <a:t>30/04/2021</a:t>
+              <a:t>1/05/2021</a:t>
             </a:fld>
             <a:endParaRPr lang="en-AU"/>
           </a:p>
@@ -2695,7 +2696,7 @@
           <a:p>
             <a:fld id="{AE4F3026-884B-443A-AB0D-A69068F63130}" type="datetimeFigureOut">
               <a:rPr lang="en-AU" smtClean="0"/>
-              <a:t>30/04/2021</a:t>
+              <a:t>1/05/2021</a:t>
             </a:fld>
             <a:endParaRPr lang="en-AU"/>
           </a:p>
@@ -2938,7 +2939,7 @@
           <a:p>
             <a:fld id="{AE4F3026-884B-443A-AB0D-A69068F63130}" type="datetimeFigureOut">
               <a:rPr lang="en-AU" smtClean="0"/>
-              <a:t>30/04/2021</a:t>
+              <a:t>1/05/2021</a:t>
             </a:fld>
             <a:endParaRPr lang="en-AU"/>
           </a:p>
@@ -3831,6 +3832,338 @@
 </p:sld>
 </file>
 
+<file path=ppt/slides/slide10.xml><?xml version="1.0" encoding="utf-8"?>
+<p:sld xmlns:a="http://schemas.openxmlformats.org/drawingml/2006/main" xmlns:r="http://schemas.openxmlformats.org/officeDocument/2006/relationships" xmlns:p="http://schemas.openxmlformats.org/presentationml/2006/main">
+  <p:cSld>
+    <p:bg>
+      <p:bgPr>
+        <a:solidFill>
+          <a:schemeClr val="bg1"/>
+        </a:solidFill>
+        <a:effectLst/>
+      </p:bgPr>
+    </p:bg>
+    <p:spTree>
+      <p:nvGrpSpPr>
+        <p:cNvPr id="1" name=""/>
+        <p:cNvGrpSpPr/>
+        <p:nvPr/>
+      </p:nvGrpSpPr>
+      <p:grpSpPr>
+        <a:xfrm>
+          <a:off x="0" y="0"/>
+          <a:ext cx="0" cy="0"/>
+          <a:chOff x="0" y="0"/>
+          <a:chExt cx="0" cy="0"/>
+        </a:xfrm>
+      </p:grpSpPr>
+      <p:pic>
+        <p:nvPicPr>
+          <p:cNvPr id="9" name="Picture 8" descr="A picture containing person, doll&#10;&#10;Description automatically generated">
+            <a:extLst>
+              <a:ext uri="{FF2B5EF4-FFF2-40B4-BE49-F238E27FC236}">
+                <a16:creationId xmlns:a16="http://schemas.microsoft.com/office/drawing/2014/main" id="{C31263FD-FABC-4CF6-ABE2-568F477DA734}"/>
+              </a:ext>
+            </a:extLst>
+          </p:cNvPr>
+          <p:cNvPicPr>
+            <a:picLocks noChangeAspect="1"/>
+          </p:cNvPicPr>
+          <p:nvPr/>
+        </p:nvPicPr>
+        <p:blipFill rotWithShape="1">
+          <a:blip r:embed="rId2">
+            <a:extLst>
+              <a:ext uri="{28A0092B-C50C-407E-A947-70E740481C1C}">
+                <a14:useLocalDpi xmlns:a14="http://schemas.microsoft.com/office/drawing/2010/main" val="0"/>
+              </a:ext>
+            </a:extLst>
+          </a:blip>
+          <a:srcRect t="442"/>
+          <a:stretch/>
+        </p:blipFill>
+        <p:spPr>
+          <a:xfrm>
+            <a:off x="20" y="10"/>
+            <a:ext cx="12191980" cy="6857990"/>
+          </a:xfrm>
+          <a:prstGeom prst="rect">
+            <a:avLst/>
+          </a:prstGeom>
+        </p:spPr>
+      </p:pic>
+      <p:sp>
+        <p:nvSpPr>
+          <p:cNvPr id="17" name="Freeform: Shape 16">
+            <a:extLst>
+              <a:ext uri="{FF2B5EF4-FFF2-40B4-BE49-F238E27FC236}">
+                <a16:creationId xmlns:a16="http://schemas.microsoft.com/office/drawing/2014/main" id="{6B3BAD04-E614-4C16-8360-019FCF0045AC}"/>
+              </a:ext>
+              <a:ext uri="{C183D7F6-B498-43B3-948B-1728B52AA6E4}">
+                <adec:decorative xmlns:adec="http://schemas.microsoft.com/office/drawing/2017/decorative" val="1"/>
+              </a:ext>
+            </a:extLst>
+          </p:cNvPr>
+          <p:cNvSpPr>
+            <a:spLocks noGrp="1" noRot="1" noChangeAspect="1" noMove="1" noResize="1" noEditPoints="1" noAdjustHandles="1" noChangeArrowheads="1" noChangeShapeType="1" noTextEdit="1"/>
+          </p:cNvSpPr>
+          <p:nvPr>
+            <p:extLst>
+              <p:ext uri="{386F3935-93C4-4BCD-93E2-E3B085C9AB24}">
+                <p16:designElem xmlns:p16="http://schemas.microsoft.com/office/powerpoint/2015/main" val="1"/>
+              </p:ext>
+            </p:extLst>
+          </p:nvPr>
+        </p:nvSpPr>
+        <p:spPr>
+          <a:xfrm>
+            <a:off x="0" y="4023809"/>
+            <a:ext cx="11016943" cy="2262375"/>
+          </a:xfrm>
+          <a:custGeom>
+            <a:avLst/>
+            <a:gdLst>
+              <a:gd name="connsiteX0" fmla="*/ 0 w 11016943"/>
+              <a:gd name="connsiteY0" fmla="*/ 0 h 2262375"/>
+              <a:gd name="connsiteX1" fmla="*/ 9969166 w 11016943"/>
+              <a:gd name="connsiteY1" fmla="*/ 0 h 2262375"/>
+              <a:gd name="connsiteX2" fmla="*/ 11016943 w 11016943"/>
+              <a:gd name="connsiteY2" fmla="*/ 2262375 h 2262375"/>
+              <a:gd name="connsiteX3" fmla="*/ 4942050 w 11016943"/>
+              <a:gd name="connsiteY3" fmla="*/ 2262375 h 2262375"/>
+              <a:gd name="connsiteX4" fmla="*/ 4582160 w 11016943"/>
+              <a:gd name="connsiteY4" fmla="*/ 2262375 h 2262375"/>
+              <a:gd name="connsiteX5" fmla="*/ 0 w 11016943"/>
+              <a:gd name="connsiteY5" fmla="*/ 2262375 h 2262375"/>
+            </a:gdLst>
+            <a:ahLst/>
+            <a:cxnLst>
+              <a:cxn ang="0">
+                <a:pos x="connsiteX0" y="connsiteY0"/>
+              </a:cxn>
+              <a:cxn ang="0">
+                <a:pos x="connsiteX1" y="connsiteY1"/>
+              </a:cxn>
+              <a:cxn ang="0">
+                <a:pos x="connsiteX2" y="connsiteY2"/>
+              </a:cxn>
+              <a:cxn ang="0">
+                <a:pos x="connsiteX3" y="connsiteY3"/>
+              </a:cxn>
+              <a:cxn ang="0">
+                <a:pos x="connsiteX4" y="connsiteY4"/>
+              </a:cxn>
+              <a:cxn ang="0">
+                <a:pos x="connsiteX5" y="connsiteY5"/>
+              </a:cxn>
+            </a:cxnLst>
+            <a:rect l="l" t="t" r="r" b="b"/>
+            <a:pathLst>
+              <a:path w="11016943" h="2262375">
+                <a:moveTo>
+                  <a:pt x="0" y="0"/>
+                </a:moveTo>
+                <a:lnTo>
+                  <a:pt x="9969166" y="0"/>
+                </a:lnTo>
+                <a:lnTo>
+                  <a:pt x="11016943" y="2262375"/>
+                </a:lnTo>
+                <a:lnTo>
+                  <a:pt x="4942050" y="2262375"/>
+                </a:lnTo>
+                <a:lnTo>
+                  <a:pt x="4582160" y="2262375"/>
+                </a:lnTo>
+                <a:lnTo>
+                  <a:pt x="0" y="2262375"/>
+                </a:lnTo>
+                <a:close/>
+              </a:path>
+            </a:pathLst>
+          </a:custGeom>
+          <a:solidFill>
+            <a:schemeClr val="tx1">
+              <a:lumMod val="85000"/>
+              <a:lumOff val="15000"/>
+              <a:alpha val="88000"/>
+            </a:schemeClr>
+          </a:solidFill>
+          <a:ln>
+            <a:noFill/>
+          </a:ln>
+        </p:spPr>
+        <p:style>
+          <a:lnRef idx="2">
+            <a:schemeClr val="accent1">
+              <a:shade val="50000"/>
+            </a:schemeClr>
+          </a:lnRef>
+          <a:fillRef idx="1">
+            <a:schemeClr val="accent1"/>
+          </a:fillRef>
+          <a:effectRef idx="0">
+            <a:schemeClr val="accent1"/>
+          </a:effectRef>
+          <a:fontRef idx="minor">
+            <a:schemeClr val="lt1"/>
+          </a:fontRef>
+        </p:style>
+        <p:txBody>
+          <a:bodyPr wrap="square" rtlCol="0" anchor="ctr">
+            <a:noAutofit/>
+          </a:bodyPr>
+          <a:lstStyle/>
+          <a:p>
+            <a:pPr algn="ctr"/>
+            <a:endParaRPr lang="en-US"/>
+          </a:p>
+        </p:txBody>
+      </p:sp>
+      <p:sp>
+        <p:nvSpPr>
+          <p:cNvPr id="2" name="Title 1">
+            <a:extLst>
+              <a:ext uri="{FF2B5EF4-FFF2-40B4-BE49-F238E27FC236}">
+                <a16:creationId xmlns:a16="http://schemas.microsoft.com/office/drawing/2014/main" id="{76EB408A-BE3D-4E2C-B913-BDBD5AE16143}"/>
+              </a:ext>
+            </a:extLst>
+          </p:cNvPr>
+          <p:cNvSpPr>
+            <a:spLocks noGrp="1"/>
+          </p:cNvSpPr>
+          <p:nvPr>
+            <p:ph type="title"/>
+          </p:nvPr>
+        </p:nvSpPr>
+        <p:spPr>
+          <a:xfrm>
+            <a:off x="841248" y="4199861"/>
+            <a:ext cx="8856059" cy="1336826"/>
+          </a:xfrm>
+        </p:spPr>
+        <p:txBody>
+          <a:bodyPr vert="horz" lIns="91440" tIns="45720" rIns="91440" bIns="45720" rtlCol="0" anchor="b">
+            <a:normAutofit/>
+          </a:bodyPr>
+          <a:lstStyle/>
+          <a:p>
+            <a:r>
+              <a:rPr lang="en-US" sz="5400">
+                <a:solidFill>
+                  <a:srgbClr val="FFFFFF"/>
+                </a:solidFill>
+              </a:rPr>
+              <a:t>Questions</a:t>
+            </a:r>
+          </a:p>
+        </p:txBody>
+      </p:sp>
+    </p:spTree>
+    <p:extLst>
+      <p:ext uri="{BB962C8B-B14F-4D97-AF65-F5344CB8AC3E}">
+        <p14:creationId xmlns:p14="http://schemas.microsoft.com/office/powerpoint/2010/main" val="2148099078"/>
+      </p:ext>
+    </p:extLst>
+  </p:cSld>
+  <p:clrMapOvr>
+    <a:masterClrMapping/>
+  </p:clrMapOvr>
+  <p:timing>
+    <p:tnLst>
+      <p:par>
+        <p:cTn id="1" dur="indefinite" restart="never" nodeType="tmRoot">
+          <p:childTnLst>
+            <p:seq concurrent="1" nextAc="seek">
+              <p:cTn id="2" dur="indefinite" nodeType="mainSeq">
+                <p:childTnLst>
+                  <p:par>
+                    <p:cTn id="3" fill="hold">
+                      <p:stCondLst>
+                        <p:cond delay="indefinite"/>
+                        <p:cond evt="onBegin" delay="0">
+                          <p:tn val="2"/>
+                        </p:cond>
+                      </p:stCondLst>
+                      <p:childTnLst>
+                        <p:par>
+                          <p:cTn id="4" fill="hold">
+                            <p:stCondLst>
+                              <p:cond delay="0"/>
+                            </p:stCondLst>
+                            <p:childTnLst>
+                              <p:par>
+                                <p:cTn id="5" presetID="10" presetClass="entr" presetSubtype="0" fill="hold" grpId="0" nodeType="withEffect">
+                                  <p:stCondLst>
+                                    <p:cond delay="1000"/>
+                                  </p:stCondLst>
+                                  <p:iterate>
+                                    <p:tmPct val="10000"/>
+                                  </p:iterate>
+                                  <p:childTnLst>
+                                    <p:set>
+                                      <p:cBhvr>
+                                        <p:cTn id="6" dur="1" fill="hold">
+                                          <p:stCondLst>
+                                            <p:cond delay="0"/>
+                                          </p:stCondLst>
+                                        </p:cTn>
+                                        <p:tgtEl>
+                                          <p:spTgt spid="2"/>
+                                        </p:tgtEl>
+                                        <p:attrNameLst>
+                                          <p:attrName>style.visibility</p:attrName>
+                                        </p:attrNameLst>
+                                      </p:cBhvr>
+                                      <p:to>
+                                        <p:strVal val="visible"/>
+                                      </p:to>
+                                    </p:set>
+                                    <p:animEffect transition="in" filter="fade">
+                                      <p:cBhvr>
+                                        <p:cTn id="7" dur="700"/>
+                                        <p:tgtEl>
+                                          <p:spTgt spid="2"/>
+                                        </p:tgtEl>
+                                      </p:cBhvr>
+                                    </p:animEffect>
+                                  </p:childTnLst>
+                                </p:cTn>
+                              </p:par>
+                            </p:childTnLst>
+                          </p:cTn>
+                        </p:par>
+                      </p:childTnLst>
+                    </p:cTn>
+                  </p:par>
+                </p:childTnLst>
+              </p:cTn>
+              <p:prevCondLst>
+                <p:cond evt="onPrev" delay="0">
+                  <p:tgtEl>
+                    <p:sldTgt/>
+                  </p:tgtEl>
+                </p:cond>
+              </p:prevCondLst>
+              <p:nextCondLst>
+                <p:cond evt="onNext" delay="0">
+                  <p:tgtEl>
+                    <p:sldTgt/>
+                  </p:tgtEl>
+                </p:cond>
+              </p:nextCondLst>
+            </p:seq>
+          </p:childTnLst>
+        </p:cTn>
+      </p:par>
+    </p:tnLst>
+    <p:bldLst>
+      <p:bldP spid="2" grpId="0"/>
+    </p:bldLst>
+  </p:timing>
+</p:sld>
+</file>
+
 <file path=ppt/slides/slide2.xml><?xml version="1.0" encoding="utf-8"?>
 <p:sld xmlns:a="http://schemas.openxmlformats.org/drawingml/2006/main" xmlns:r="http://schemas.openxmlformats.org/officeDocument/2006/relationships" xmlns:p="http://schemas.openxmlformats.org/presentationml/2006/main">
   <p:cSld>
@@ -4433,16 +4766,8 @@
                 <a:ea typeface="Calibri" panose="020F0502020204030204" pitchFamily="34" charset="0"/>
                 <a:cs typeface="Calibri" panose="020F0502020204030204" pitchFamily="34" charset="0"/>
               </a:rPr>
-              <a:t>FIFA has employed team JJA to create a dashboard for officials, teams and soccer fans around the world to investigate trends of successful teams to help with game strategies, future development of the sport and provide general knowledge. Successful teams for this exercise have been defined as those that have finished first, second, third and fourth in the tournament.</a:t>
-            </a:r>
-            <a:endParaRPr lang="en-AU" sz="2400" dirty="0">
-              <a:effectLst/>
-              <a:latin typeface="Calibri" panose="020F0502020204030204" pitchFamily="34" charset="0"/>
-              <a:ea typeface="Calibri" panose="020F0502020204030204" pitchFamily="34" charset="0"/>
-              <a:cs typeface="Times New Roman" panose="02020603050405020304" pitchFamily="18" charset="0"/>
-            </a:endParaRPr>
-          </a:p>
-          <a:p>
+              <a:t>FIFA has employed team JJA to create a dashboard for officials, teams and soccer fans around the world to investigate trends of successful teams to help with game strategies, future development of the sport and provide general knowledge. </a:t>
+            </a:r>
             <a:endParaRPr lang="en-AU" sz="2400" dirty="0"/>
           </a:p>
         </p:txBody>
@@ -4815,7 +5140,7 @@
                 <a:ea typeface="Calibri" panose="020F0502020204030204" pitchFamily="34" charset="0"/>
                 <a:cs typeface="Calibri" panose="020F0502020204030204" pitchFamily="34" charset="0"/>
               </a:rPr>
-              <a:t>Teams that consist of players that have experience playing in multiple world cup tournaments</a:t>
+              <a:t>Frequency of countries that hosted the tournament and the chances of them finishing in the top 4.</a:t>
             </a:r>
           </a:p>
           <a:p>
@@ -5558,7 +5883,7 @@
             <a:pPr lvl="1"/>
             <a:r>
               <a:rPr lang="en-AU" dirty="0"/>
-              <a:t>3 csv files joined to form one database based on the primary key of year</a:t>
+              <a:t>5 csv files joined to form one database based on the primary key of year and match ID</a:t>
             </a:r>
           </a:p>
           <a:p>
@@ -5614,6 +5939,72 @@
 </file>
 
 <file path=ppt/slides/slide6.xml><?xml version="1.0" encoding="utf-8"?>
+<p:sld xmlns:a="http://schemas.openxmlformats.org/drawingml/2006/main" xmlns:r="http://schemas.openxmlformats.org/officeDocument/2006/relationships" xmlns:p="http://schemas.openxmlformats.org/presentationml/2006/main">
+  <p:cSld>
+    <p:spTree>
+      <p:nvGrpSpPr>
+        <p:cNvPr id="1" name=""/>
+        <p:cNvGrpSpPr/>
+        <p:nvPr/>
+      </p:nvGrpSpPr>
+      <p:grpSpPr>
+        <a:xfrm>
+          <a:off x="0" y="0"/>
+          <a:ext cx="0" cy="0"/>
+          <a:chOff x="0" y="0"/>
+          <a:chExt cx="0" cy="0"/>
+        </a:xfrm>
+      </p:grpSpPr>
+      <p:pic>
+        <p:nvPicPr>
+          <p:cNvPr id="5" name="Picture 4" descr="Diagram&#10;&#10;Description automatically generated">
+            <a:extLst>
+              <a:ext uri="{FF2B5EF4-FFF2-40B4-BE49-F238E27FC236}">
+                <a16:creationId xmlns:a16="http://schemas.microsoft.com/office/drawing/2014/main" id="{12D85F2F-E3AC-4E42-8982-64081562F21C}"/>
+              </a:ext>
+            </a:extLst>
+          </p:cNvPr>
+          <p:cNvPicPr>
+            <a:picLocks noChangeAspect="1"/>
+          </p:cNvPicPr>
+          <p:nvPr/>
+        </p:nvPicPr>
+        <p:blipFill>
+          <a:blip r:embed="rId2">
+            <a:extLst>
+              <a:ext uri="{28A0092B-C50C-407E-A947-70E740481C1C}">
+                <a14:useLocalDpi xmlns:a14="http://schemas.microsoft.com/office/drawing/2010/main" val="0"/>
+              </a:ext>
+            </a:extLst>
+          </a:blip>
+          <a:stretch>
+            <a:fillRect/>
+          </a:stretch>
+        </p:blipFill>
+        <p:spPr>
+          <a:xfrm>
+            <a:off x="836074" y="203483"/>
+            <a:ext cx="10519852" cy="6451033"/>
+          </a:xfrm>
+          <a:prstGeom prst="rect">
+            <a:avLst/>
+          </a:prstGeom>
+        </p:spPr>
+      </p:pic>
+    </p:spTree>
+    <p:extLst>
+      <p:ext uri="{BB962C8B-B14F-4D97-AF65-F5344CB8AC3E}">
+        <p14:creationId xmlns:p14="http://schemas.microsoft.com/office/powerpoint/2010/main" val="4136622900"/>
+      </p:ext>
+    </p:extLst>
+  </p:cSld>
+  <p:clrMapOvr>
+    <a:masterClrMapping/>
+  </p:clrMapOvr>
+</p:sld>
+</file>
+
+<file path=ppt/slides/slide7.xml><?xml version="1.0" encoding="utf-8"?>
 <p:sld xmlns:a="http://schemas.openxmlformats.org/drawingml/2006/main" xmlns:r="http://schemas.openxmlformats.org/officeDocument/2006/relationships" xmlns:p="http://schemas.openxmlformats.org/presentationml/2006/main">
   <p:cSld>
     <p:bg>
@@ -5874,7 +6265,7 @@
 </p:sld>
 </file>
 
-<file path=ppt/slides/slide7.xml><?xml version="1.0" encoding="utf-8"?>
+<file path=ppt/slides/slide8.xml><?xml version="1.0" encoding="utf-8"?>
 <p:sld xmlns:a="http://schemas.openxmlformats.org/drawingml/2006/main" xmlns:r="http://schemas.openxmlformats.org/officeDocument/2006/relationships" xmlns:p="http://schemas.openxmlformats.org/presentationml/2006/main">
   <p:cSld>
     <p:bg>
@@ -6227,7 +6618,7 @@
 </p:sld>
 </file>
 
-<file path=ppt/slides/slide8.xml><?xml version="1.0" encoding="utf-8"?>
+<file path=ppt/slides/slide9.xml><?xml version="1.0" encoding="utf-8"?>
 <p:sld xmlns:a="http://schemas.openxmlformats.org/drawingml/2006/main" xmlns:r="http://schemas.openxmlformats.org/officeDocument/2006/relationships" xmlns:p="http://schemas.openxmlformats.org/presentationml/2006/main">
   <p:cSld>
     <p:bg>
@@ -6585,338 +6976,6 @@
   <p:clrMapOvr>
     <a:overrideClrMapping bg1="dk1" tx1="lt1" bg2="dk2" tx2="lt2" accent1="accent1" accent2="accent2" accent3="accent3" accent4="accent4" accent5="accent5" accent6="accent6" hlink="hlink" folHlink="folHlink"/>
   </p:clrMapOvr>
-</p:sld>
-</file>
-
-<file path=ppt/slides/slide9.xml><?xml version="1.0" encoding="utf-8"?>
-<p:sld xmlns:a="http://schemas.openxmlformats.org/drawingml/2006/main" xmlns:r="http://schemas.openxmlformats.org/officeDocument/2006/relationships" xmlns:p="http://schemas.openxmlformats.org/presentationml/2006/main">
-  <p:cSld>
-    <p:bg>
-      <p:bgPr>
-        <a:solidFill>
-          <a:schemeClr val="bg1"/>
-        </a:solidFill>
-        <a:effectLst/>
-      </p:bgPr>
-    </p:bg>
-    <p:spTree>
-      <p:nvGrpSpPr>
-        <p:cNvPr id="1" name=""/>
-        <p:cNvGrpSpPr/>
-        <p:nvPr/>
-      </p:nvGrpSpPr>
-      <p:grpSpPr>
-        <a:xfrm>
-          <a:off x="0" y="0"/>
-          <a:ext cx="0" cy="0"/>
-          <a:chOff x="0" y="0"/>
-          <a:chExt cx="0" cy="0"/>
-        </a:xfrm>
-      </p:grpSpPr>
-      <p:pic>
-        <p:nvPicPr>
-          <p:cNvPr id="9" name="Picture 8" descr="A picture containing person, doll&#10;&#10;Description automatically generated">
-            <a:extLst>
-              <a:ext uri="{FF2B5EF4-FFF2-40B4-BE49-F238E27FC236}">
-                <a16:creationId xmlns:a16="http://schemas.microsoft.com/office/drawing/2014/main" id="{C31263FD-FABC-4CF6-ABE2-568F477DA734}"/>
-              </a:ext>
-            </a:extLst>
-          </p:cNvPr>
-          <p:cNvPicPr>
-            <a:picLocks noChangeAspect="1"/>
-          </p:cNvPicPr>
-          <p:nvPr/>
-        </p:nvPicPr>
-        <p:blipFill rotWithShape="1">
-          <a:blip r:embed="rId2">
-            <a:extLst>
-              <a:ext uri="{28A0092B-C50C-407E-A947-70E740481C1C}">
-                <a14:useLocalDpi xmlns:a14="http://schemas.microsoft.com/office/drawing/2010/main" val="0"/>
-              </a:ext>
-            </a:extLst>
-          </a:blip>
-          <a:srcRect t="442"/>
-          <a:stretch/>
-        </p:blipFill>
-        <p:spPr>
-          <a:xfrm>
-            <a:off x="20" y="10"/>
-            <a:ext cx="12191980" cy="6857990"/>
-          </a:xfrm>
-          <a:prstGeom prst="rect">
-            <a:avLst/>
-          </a:prstGeom>
-        </p:spPr>
-      </p:pic>
-      <p:sp>
-        <p:nvSpPr>
-          <p:cNvPr id="17" name="Freeform: Shape 16">
-            <a:extLst>
-              <a:ext uri="{FF2B5EF4-FFF2-40B4-BE49-F238E27FC236}">
-                <a16:creationId xmlns:a16="http://schemas.microsoft.com/office/drawing/2014/main" id="{6B3BAD04-E614-4C16-8360-019FCF0045AC}"/>
-              </a:ext>
-              <a:ext uri="{C183D7F6-B498-43B3-948B-1728B52AA6E4}">
-                <adec:decorative xmlns:adec="http://schemas.microsoft.com/office/drawing/2017/decorative" val="1"/>
-              </a:ext>
-            </a:extLst>
-          </p:cNvPr>
-          <p:cNvSpPr>
-            <a:spLocks noGrp="1" noRot="1" noChangeAspect="1" noMove="1" noResize="1" noEditPoints="1" noAdjustHandles="1" noChangeArrowheads="1" noChangeShapeType="1" noTextEdit="1"/>
-          </p:cNvSpPr>
-          <p:nvPr>
-            <p:extLst>
-              <p:ext uri="{386F3935-93C4-4BCD-93E2-E3B085C9AB24}">
-                <p16:designElem xmlns:p16="http://schemas.microsoft.com/office/powerpoint/2015/main" val="1"/>
-              </p:ext>
-            </p:extLst>
-          </p:nvPr>
-        </p:nvSpPr>
-        <p:spPr>
-          <a:xfrm>
-            <a:off x="0" y="4023809"/>
-            <a:ext cx="11016943" cy="2262375"/>
-          </a:xfrm>
-          <a:custGeom>
-            <a:avLst/>
-            <a:gdLst>
-              <a:gd name="connsiteX0" fmla="*/ 0 w 11016943"/>
-              <a:gd name="connsiteY0" fmla="*/ 0 h 2262375"/>
-              <a:gd name="connsiteX1" fmla="*/ 9969166 w 11016943"/>
-              <a:gd name="connsiteY1" fmla="*/ 0 h 2262375"/>
-              <a:gd name="connsiteX2" fmla="*/ 11016943 w 11016943"/>
-              <a:gd name="connsiteY2" fmla="*/ 2262375 h 2262375"/>
-              <a:gd name="connsiteX3" fmla="*/ 4942050 w 11016943"/>
-              <a:gd name="connsiteY3" fmla="*/ 2262375 h 2262375"/>
-              <a:gd name="connsiteX4" fmla="*/ 4582160 w 11016943"/>
-              <a:gd name="connsiteY4" fmla="*/ 2262375 h 2262375"/>
-              <a:gd name="connsiteX5" fmla="*/ 0 w 11016943"/>
-              <a:gd name="connsiteY5" fmla="*/ 2262375 h 2262375"/>
-            </a:gdLst>
-            <a:ahLst/>
-            <a:cxnLst>
-              <a:cxn ang="0">
-                <a:pos x="connsiteX0" y="connsiteY0"/>
-              </a:cxn>
-              <a:cxn ang="0">
-                <a:pos x="connsiteX1" y="connsiteY1"/>
-              </a:cxn>
-              <a:cxn ang="0">
-                <a:pos x="connsiteX2" y="connsiteY2"/>
-              </a:cxn>
-              <a:cxn ang="0">
-                <a:pos x="connsiteX3" y="connsiteY3"/>
-              </a:cxn>
-              <a:cxn ang="0">
-                <a:pos x="connsiteX4" y="connsiteY4"/>
-              </a:cxn>
-              <a:cxn ang="0">
-                <a:pos x="connsiteX5" y="connsiteY5"/>
-              </a:cxn>
-            </a:cxnLst>
-            <a:rect l="l" t="t" r="r" b="b"/>
-            <a:pathLst>
-              <a:path w="11016943" h="2262375">
-                <a:moveTo>
-                  <a:pt x="0" y="0"/>
-                </a:moveTo>
-                <a:lnTo>
-                  <a:pt x="9969166" y="0"/>
-                </a:lnTo>
-                <a:lnTo>
-                  <a:pt x="11016943" y="2262375"/>
-                </a:lnTo>
-                <a:lnTo>
-                  <a:pt x="4942050" y="2262375"/>
-                </a:lnTo>
-                <a:lnTo>
-                  <a:pt x="4582160" y="2262375"/>
-                </a:lnTo>
-                <a:lnTo>
-                  <a:pt x="0" y="2262375"/>
-                </a:lnTo>
-                <a:close/>
-              </a:path>
-            </a:pathLst>
-          </a:custGeom>
-          <a:solidFill>
-            <a:schemeClr val="tx1">
-              <a:lumMod val="85000"/>
-              <a:lumOff val="15000"/>
-              <a:alpha val="88000"/>
-            </a:schemeClr>
-          </a:solidFill>
-          <a:ln>
-            <a:noFill/>
-          </a:ln>
-        </p:spPr>
-        <p:style>
-          <a:lnRef idx="2">
-            <a:schemeClr val="accent1">
-              <a:shade val="50000"/>
-            </a:schemeClr>
-          </a:lnRef>
-          <a:fillRef idx="1">
-            <a:schemeClr val="accent1"/>
-          </a:fillRef>
-          <a:effectRef idx="0">
-            <a:schemeClr val="accent1"/>
-          </a:effectRef>
-          <a:fontRef idx="minor">
-            <a:schemeClr val="lt1"/>
-          </a:fontRef>
-        </p:style>
-        <p:txBody>
-          <a:bodyPr wrap="square" rtlCol="0" anchor="ctr">
-            <a:noAutofit/>
-          </a:bodyPr>
-          <a:lstStyle/>
-          <a:p>
-            <a:pPr algn="ctr"/>
-            <a:endParaRPr lang="en-US"/>
-          </a:p>
-        </p:txBody>
-      </p:sp>
-      <p:sp>
-        <p:nvSpPr>
-          <p:cNvPr id="2" name="Title 1">
-            <a:extLst>
-              <a:ext uri="{FF2B5EF4-FFF2-40B4-BE49-F238E27FC236}">
-                <a16:creationId xmlns:a16="http://schemas.microsoft.com/office/drawing/2014/main" id="{76EB408A-BE3D-4E2C-B913-BDBD5AE16143}"/>
-              </a:ext>
-            </a:extLst>
-          </p:cNvPr>
-          <p:cNvSpPr>
-            <a:spLocks noGrp="1"/>
-          </p:cNvSpPr>
-          <p:nvPr>
-            <p:ph type="title"/>
-          </p:nvPr>
-        </p:nvSpPr>
-        <p:spPr>
-          <a:xfrm>
-            <a:off x="841248" y="4199861"/>
-            <a:ext cx="8856059" cy="1336826"/>
-          </a:xfrm>
-        </p:spPr>
-        <p:txBody>
-          <a:bodyPr vert="horz" lIns="91440" tIns="45720" rIns="91440" bIns="45720" rtlCol="0" anchor="b">
-            <a:normAutofit/>
-          </a:bodyPr>
-          <a:lstStyle/>
-          <a:p>
-            <a:r>
-              <a:rPr lang="en-US" sz="5400">
-                <a:solidFill>
-                  <a:srgbClr val="FFFFFF"/>
-                </a:solidFill>
-              </a:rPr>
-              <a:t>Questions</a:t>
-            </a:r>
-          </a:p>
-        </p:txBody>
-      </p:sp>
-    </p:spTree>
-    <p:extLst>
-      <p:ext uri="{BB962C8B-B14F-4D97-AF65-F5344CB8AC3E}">
-        <p14:creationId xmlns:p14="http://schemas.microsoft.com/office/powerpoint/2010/main" val="2148099078"/>
-      </p:ext>
-    </p:extLst>
-  </p:cSld>
-  <p:clrMapOvr>
-    <a:masterClrMapping/>
-  </p:clrMapOvr>
-  <p:timing>
-    <p:tnLst>
-      <p:par>
-        <p:cTn id="1" dur="indefinite" restart="never" nodeType="tmRoot">
-          <p:childTnLst>
-            <p:seq concurrent="1" nextAc="seek">
-              <p:cTn id="2" dur="indefinite" nodeType="mainSeq">
-                <p:childTnLst>
-                  <p:par>
-                    <p:cTn id="3" fill="hold">
-                      <p:stCondLst>
-                        <p:cond delay="indefinite"/>
-                        <p:cond evt="onBegin" delay="0">
-                          <p:tn val="2"/>
-                        </p:cond>
-                      </p:stCondLst>
-                      <p:childTnLst>
-                        <p:par>
-                          <p:cTn id="4" fill="hold">
-                            <p:stCondLst>
-                              <p:cond delay="0"/>
-                            </p:stCondLst>
-                            <p:childTnLst>
-                              <p:par>
-                                <p:cTn id="5" presetID="10" presetClass="entr" presetSubtype="0" fill="hold" grpId="0" nodeType="withEffect">
-                                  <p:stCondLst>
-                                    <p:cond delay="1000"/>
-                                  </p:stCondLst>
-                                  <p:iterate>
-                                    <p:tmPct val="10000"/>
-                                  </p:iterate>
-                                  <p:childTnLst>
-                                    <p:set>
-                                      <p:cBhvr>
-                                        <p:cTn id="6" dur="1" fill="hold">
-                                          <p:stCondLst>
-                                            <p:cond delay="0"/>
-                                          </p:stCondLst>
-                                        </p:cTn>
-                                        <p:tgtEl>
-                                          <p:spTgt spid="2"/>
-                                        </p:tgtEl>
-                                        <p:attrNameLst>
-                                          <p:attrName>style.visibility</p:attrName>
-                                        </p:attrNameLst>
-                                      </p:cBhvr>
-                                      <p:to>
-                                        <p:strVal val="visible"/>
-                                      </p:to>
-                                    </p:set>
-                                    <p:animEffect transition="in" filter="fade">
-                                      <p:cBhvr>
-                                        <p:cTn id="7" dur="700"/>
-                                        <p:tgtEl>
-                                          <p:spTgt spid="2"/>
-                                        </p:tgtEl>
-                                      </p:cBhvr>
-                                    </p:animEffect>
-                                  </p:childTnLst>
-                                </p:cTn>
-                              </p:par>
-                            </p:childTnLst>
-                          </p:cTn>
-                        </p:par>
-                      </p:childTnLst>
-                    </p:cTn>
-                  </p:par>
-                </p:childTnLst>
-              </p:cTn>
-              <p:prevCondLst>
-                <p:cond evt="onPrev" delay="0">
-                  <p:tgtEl>
-                    <p:sldTgt/>
-                  </p:tgtEl>
-                </p:cond>
-              </p:prevCondLst>
-              <p:nextCondLst>
-                <p:cond evt="onNext" delay="0">
-                  <p:tgtEl>
-                    <p:sldTgt/>
-                  </p:tgtEl>
-                </p:cond>
-              </p:nextCondLst>
-            </p:seq>
-          </p:childTnLst>
-        </p:cTn>
-      </p:par>
-    </p:tnLst>
-    <p:bldLst>
-      <p:bldP spid="2" grpId="0"/>
-    </p:bldLst>
-  </p:timing>
 </p:sld>
 </file>
 
